--- a/01157004+01157028.pptx
+++ b/01157004+01157028.pptx
@@ -20,7 +20,8 @@
     <p:sldId id="271" r:id="rId14"/>
     <p:sldId id="272" r:id="rId15"/>
     <p:sldId id="273" r:id="rId16"/>
-    <p:sldId id="261" r:id="rId17"/>
+    <p:sldId id="274" r:id="rId17"/>
+    <p:sldId id="261" r:id="rId18"/>
   </p:sldIdLst>
   <p:sldSz cx="12192000" cy="6858000"/>
   <p:notesSz cx="6858000" cy="9144000"/>
@@ -4276,6 +4277,753 @@
 </dgm:colorsDef>
 </file>
 
+<file path=ppt/diagrams/colors4.xml><?xml version="1.0" encoding="utf-8"?>
+<dgm:colorsDef xmlns:dgm="http://schemas.openxmlformats.org/drawingml/2006/diagram" xmlns:a="http://schemas.openxmlformats.org/drawingml/2006/main" uniqueId="urn:microsoft.com/office/officeart/2005/8/colors/accent1_2">
+  <dgm:title val=""/>
+  <dgm:desc val=""/>
+  <dgm:catLst>
+    <dgm:cat type="accent1" pri="11200"/>
+  </dgm:catLst>
+  <dgm:styleLbl name="node0">
+    <dgm:fillClrLst meth="repeat">
+      <a:schemeClr val="accent1"/>
+    </dgm:fillClrLst>
+    <dgm:linClrLst meth="repeat">
+      <a:schemeClr val="lt1"/>
+    </dgm:linClrLst>
+    <dgm:effectClrLst/>
+    <dgm:txLinClrLst/>
+    <dgm:txFillClrLst/>
+    <dgm:txEffectClrLst/>
+  </dgm:styleLbl>
+  <dgm:styleLbl name="alignNode1">
+    <dgm:fillClrLst meth="repeat">
+      <a:schemeClr val="accent1"/>
+    </dgm:fillClrLst>
+    <dgm:linClrLst meth="repeat">
+      <a:schemeClr val="accent1"/>
+    </dgm:linClrLst>
+    <dgm:effectClrLst/>
+    <dgm:txLinClrLst/>
+    <dgm:txFillClrLst/>
+    <dgm:txEffectClrLst/>
+  </dgm:styleLbl>
+  <dgm:styleLbl name="node1">
+    <dgm:fillClrLst meth="repeat">
+      <a:schemeClr val="accent1"/>
+    </dgm:fillClrLst>
+    <dgm:linClrLst meth="repeat">
+      <a:schemeClr val="lt1"/>
+    </dgm:linClrLst>
+    <dgm:effectClrLst/>
+    <dgm:txLinClrLst/>
+    <dgm:txFillClrLst/>
+    <dgm:txEffectClrLst/>
+  </dgm:styleLbl>
+  <dgm:styleLbl name="lnNode1">
+    <dgm:fillClrLst meth="repeat">
+      <a:schemeClr val="accent1"/>
+    </dgm:fillClrLst>
+    <dgm:linClrLst meth="repeat">
+      <a:schemeClr val="lt1"/>
+    </dgm:linClrLst>
+    <dgm:effectClrLst/>
+    <dgm:txLinClrLst/>
+    <dgm:txFillClrLst/>
+    <dgm:txEffectClrLst/>
+  </dgm:styleLbl>
+  <dgm:styleLbl name="vennNode1">
+    <dgm:fillClrLst meth="repeat">
+      <a:schemeClr val="accent1">
+        <a:alpha val="50000"/>
+      </a:schemeClr>
+    </dgm:fillClrLst>
+    <dgm:linClrLst meth="repeat">
+      <a:schemeClr val="lt1"/>
+    </dgm:linClrLst>
+    <dgm:effectClrLst/>
+    <dgm:txLinClrLst/>
+    <dgm:txFillClrLst/>
+    <dgm:txEffectClrLst/>
+  </dgm:styleLbl>
+  <dgm:styleLbl name="node2">
+    <dgm:fillClrLst meth="repeat">
+      <a:schemeClr val="accent1"/>
+    </dgm:fillClrLst>
+    <dgm:linClrLst meth="repeat">
+      <a:schemeClr val="lt1"/>
+    </dgm:linClrLst>
+    <dgm:effectClrLst/>
+    <dgm:txLinClrLst/>
+    <dgm:txFillClrLst/>
+    <dgm:txEffectClrLst/>
+  </dgm:styleLbl>
+  <dgm:styleLbl name="node3">
+    <dgm:fillClrLst meth="repeat">
+      <a:schemeClr val="accent1"/>
+    </dgm:fillClrLst>
+    <dgm:linClrLst meth="repeat">
+      <a:schemeClr val="lt1"/>
+    </dgm:linClrLst>
+    <dgm:effectClrLst/>
+    <dgm:txLinClrLst/>
+    <dgm:txFillClrLst/>
+    <dgm:txEffectClrLst/>
+  </dgm:styleLbl>
+  <dgm:styleLbl name="node4">
+    <dgm:fillClrLst meth="repeat">
+      <a:schemeClr val="accent1"/>
+    </dgm:fillClrLst>
+    <dgm:linClrLst meth="repeat">
+      <a:schemeClr val="lt1"/>
+    </dgm:linClrLst>
+    <dgm:effectClrLst/>
+    <dgm:txLinClrLst/>
+    <dgm:txFillClrLst/>
+    <dgm:txEffectClrLst/>
+  </dgm:styleLbl>
+  <dgm:styleLbl name="fgImgPlace1">
+    <dgm:fillClrLst meth="repeat">
+      <a:schemeClr val="accent1">
+        <a:tint val="50000"/>
+      </a:schemeClr>
+    </dgm:fillClrLst>
+    <dgm:linClrLst meth="repeat">
+      <a:schemeClr val="lt1"/>
+    </dgm:linClrLst>
+    <dgm:effectClrLst/>
+    <dgm:txLinClrLst/>
+    <dgm:txFillClrLst meth="repeat">
+      <a:schemeClr val="lt1"/>
+    </dgm:txFillClrLst>
+    <dgm:txEffectClrLst/>
+  </dgm:styleLbl>
+  <dgm:styleLbl name="alignImgPlace1">
+    <dgm:fillClrLst meth="repeat">
+      <a:schemeClr val="accent1">
+        <a:tint val="50000"/>
+      </a:schemeClr>
+    </dgm:fillClrLst>
+    <dgm:linClrLst meth="repeat">
+      <a:schemeClr val="lt1"/>
+    </dgm:linClrLst>
+    <dgm:effectClrLst/>
+    <dgm:txLinClrLst/>
+    <dgm:txFillClrLst meth="repeat">
+      <a:schemeClr val="lt1"/>
+    </dgm:txFillClrLst>
+    <dgm:txEffectClrLst/>
+  </dgm:styleLbl>
+  <dgm:styleLbl name="bgImgPlace1">
+    <dgm:fillClrLst meth="repeat">
+      <a:schemeClr val="accent1">
+        <a:tint val="50000"/>
+      </a:schemeClr>
+    </dgm:fillClrLst>
+    <dgm:linClrLst meth="repeat">
+      <a:schemeClr val="lt1"/>
+    </dgm:linClrLst>
+    <dgm:effectClrLst/>
+    <dgm:txLinClrLst/>
+    <dgm:txFillClrLst meth="repeat">
+      <a:schemeClr val="lt1"/>
+    </dgm:txFillClrLst>
+    <dgm:txEffectClrLst/>
+  </dgm:styleLbl>
+  <dgm:styleLbl name="sibTrans2D1">
+    <dgm:fillClrLst meth="repeat">
+      <a:schemeClr val="accent1">
+        <a:tint val="60000"/>
+      </a:schemeClr>
+    </dgm:fillClrLst>
+    <dgm:linClrLst meth="repeat">
+      <a:schemeClr val="accent1">
+        <a:tint val="60000"/>
+      </a:schemeClr>
+    </dgm:linClrLst>
+    <dgm:effectClrLst/>
+    <dgm:txLinClrLst/>
+    <dgm:txFillClrLst/>
+    <dgm:txEffectClrLst/>
+  </dgm:styleLbl>
+  <dgm:styleLbl name="fgSibTrans2D1">
+    <dgm:fillClrLst meth="repeat">
+      <a:schemeClr val="accent1">
+        <a:tint val="60000"/>
+      </a:schemeClr>
+    </dgm:fillClrLst>
+    <dgm:linClrLst meth="repeat">
+      <a:schemeClr val="accent1">
+        <a:tint val="60000"/>
+      </a:schemeClr>
+    </dgm:linClrLst>
+    <dgm:effectClrLst/>
+    <dgm:txLinClrLst/>
+    <dgm:txFillClrLst/>
+    <dgm:txEffectClrLst/>
+  </dgm:styleLbl>
+  <dgm:styleLbl name="bgSibTrans2D1">
+    <dgm:fillClrLst meth="repeat">
+      <a:schemeClr val="accent1">
+        <a:tint val="60000"/>
+      </a:schemeClr>
+    </dgm:fillClrLst>
+    <dgm:linClrLst meth="repeat">
+      <a:schemeClr val="accent1">
+        <a:tint val="60000"/>
+      </a:schemeClr>
+    </dgm:linClrLst>
+    <dgm:effectClrLst/>
+    <dgm:txLinClrLst/>
+    <dgm:txFillClrLst/>
+    <dgm:txEffectClrLst/>
+  </dgm:styleLbl>
+  <dgm:styleLbl name="sibTrans1D1">
+    <dgm:fillClrLst meth="repeat">
+      <a:schemeClr val="accent1"/>
+    </dgm:fillClrLst>
+    <dgm:linClrLst meth="repeat">
+      <a:schemeClr val="accent1"/>
+    </dgm:linClrLst>
+    <dgm:effectClrLst/>
+    <dgm:txLinClrLst/>
+    <dgm:txFillClrLst meth="repeat">
+      <a:schemeClr val="tx1"/>
+    </dgm:txFillClrLst>
+    <dgm:txEffectClrLst/>
+  </dgm:styleLbl>
+  <dgm:styleLbl name="callout">
+    <dgm:fillClrLst meth="repeat">
+      <a:schemeClr val="accent1"/>
+    </dgm:fillClrLst>
+    <dgm:linClrLst meth="repeat">
+      <a:schemeClr val="accent1">
+        <a:tint val="50000"/>
+      </a:schemeClr>
+    </dgm:linClrLst>
+    <dgm:effectClrLst/>
+    <dgm:txLinClrLst/>
+    <dgm:txFillClrLst meth="repeat">
+      <a:schemeClr val="tx1"/>
+    </dgm:txFillClrLst>
+    <dgm:txEffectClrLst/>
+  </dgm:styleLbl>
+  <dgm:styleLbl name="asst0">
+    <dgm:fillClrLst meth="repeat">
+      <a:schemeClr val="accent1"/>
+    </dgm:fillClrLst>
+    <dgm:linClrLst meth="repeat">
+      <a:schemeClr val="lt1"/>
+    </dgm:linClrLst>
+    <dgm:effectClrLst/>
+    <dgm:txLinClrLst/>
+    <dgm:txFillClrLst/>
+    <dgm:txEffectClrLst/>
+  </dgm:styleLbl>
+  <dgm:styleLbl name="asst1">
+    <dgm:fillClrLst meth="repeat">
+      <a:schemeClr val="accent1"/>
+    </dgm:fillClrLst>
+    <dgm:linClrLst meth="repeat">
+      <a:schemeClr val="lt1"/>
+    </dgm:linClrLst>
+    <dgm:effectClrLst/>
+    <dgm:txLinClrLst/>
+    <dgm:txFillClrLst/>
+    <dgm:txEffectClrLst/>
+  </dgm:styleLbl>
+  <dgm:styleLbl name="asst2">
+    <dgm:fillClrLst meth="repeat">
+      <a:schemeClr val="accent1"/>
+    </dgm:fillClrLst>
+    <dgm:linClrLst meth="repeat">
+      <a:schemeClr val="lt1"/>
+    </dgm:linClrLst>
+    <dgm:effectClrLst/>
+    <dgm:txLinClrLst/>
+    <dgm:txFillClrLst/>
+    <dgm:txEffectClrLst/>
+  </dgm:styleLbl>
+  <dgm:styleLbl name="asst3">
+    <dgm:fillClrLst meth="repeat">
+      <a:schemeClr val="accent1"/>
+    </dgm:fillClrLst>
+    <dgm:linClrLst meth="repeat">
+      <a:schemeClr val="lt1"/>
+    </dgm:linClrLst>
+    <dgm:effectClrLst/>
+    <dgm:txLinClrLst/>
+    <dgm:txFillClrLst/>
+    <dgm:txEffectClrLst/>
+  </dgm:styleLbl>
+  <dgm:styleLbl name="asst4">
+    <dgm:fillClrLst meth="repeat">
+      <a:schemeClr val="accent1"/>
+    </dgm:fillClrLst>
+    <dgm:linClrLst meth="repeat">
+      <a:schemeClr val="lt1"/>
+    </dgm:linClrLst>
+    <dgm:effectClrLst/>
+    <dgm:txLinClrLst/>
+    <dgm:txFillClrLst/>
+    <dgm:txEffectClrLst/>
+  </dgm:styleLbl>
+  <dgm:styleLbl name="parChTrans2D1">
+    <dgm:fillClrLst meth="repeat">
+      <a:schemeClr val="accent1">
+        <a:tint val="60000"/>
+      </a:schemeClr>
+    </dgm:fillClrLst>
+    <dgm:linClrLst meth="repeat">
+      <a:schemeClr val="accent1">
+        <a:tint val="60000"/>
+      </a:schemeClr>
+    </dgm:linClrLst>
+    <dgm:effectClrLst/>
+    <dgm:txLinClrLst/>
+    <dgm:txFillClrLst meth="repeat">
+      <a:schemeClr val="lt1"/>
+    </dgm:txFillClrLst>
+    <dgm:txEffectClrLst/>
+  </dgm:styleLbl>
+  <dgm:styleLbl name="parChTrans2D2">
+    <dgm:fillClrLst meth="repeat">
+      <a:schemeClr val="accent1"/>
+    </dgm:fillClrLst>
+    <dgm:linClrLst meth="repeat">
+      <a:schemeClr val="accent1"/>
+    </dgm:linClrLst>
+    <dgm:effectClrLst/>
+    <dgm:txLinClrLst/>
+    <dgm:txFillClrLst meth="repeat">
+      <a:schemeClr val="lt1"/>
+    </dgm:txFillClrLst>
+    <dgm:txEffectClrLst/>
+  </dgm:styleLbl>
+  <dgm:styleLbl name="parChTrans2D3">
+    <dgm:fillClrLst meth="repeat">
+      <a:schemeClr val="accent1"/>
+    </dgm:fillClrLst>
+    <dgm:linClrLst meth="repeat">
+      <a:schemeClr val="accent1"/>
+    </dgm:linClrLst>
+    <dgm:effectClrLst/>
+    <dgm:txLinClrLst/>
+    <dgm:txFillClrLst meth="repeat">
+      <a:schemeClr val="lt1"/>
+    </dgm:txFillClrLst>
+    <dgm:txEffectClrLst/>
+  </dgm:styleLbl>
+  <dgm:styleLbl name="parChTrans2D4">
+    <dgm:fillClrLst meth="repeat">
+      <a:schemeClr val="accent1"/>
+    </dgm:fillClrLst>
+    <dgm:linClrLst meth="repeat">
+      <a:schemeClr val="accent1"/>
+    </dgm:linClrLst>
+    <dgm:effectClrLst/>
+    <dgm:txLinClrLst/>
+    <dgm:txFillClrLst meth="repeat">
+      <a:schemeClr val="lt1"/>
+    </dgm:txFillClrLst>
+    <dgm:txEffectClrLst/>
+  </dgm:styleLbl>
+  <dgm:styleLbl name="parChTrans1D1">
+    <dgm:fillClrLst meth="repeat">
+      <a:schemeClr val="accent1"/>
+    </dgm:fillClrLst>
+    <dgm:linClrLst meth="repeat">
+      <a:schemeClr val="accent1">
+        <a:shade val="60000"/>
+      </a:schemeClr>
+    </dgm:linClrLst>
+    <dgm:effectClrLst/>
+    <dgm:txLinClrLst/>
+    <dgm:txFillClrLst meth="repeat">
+      <a:schemeClr val="tx1"/>
+    </dgm:txFillClrLst>
+    <dgm:txEffectClrLst/>
+  </dgm:styleLbl>
+  <dgm:styleLbl name="parChTrans1D2">
+    <dgm:fillClrLst meth="repeat">
+      <a:schemeClr val="accent1"/>
+    </dgm:fillClrLst>
+    <dgm:linClrLst meth="repeat">
+      <a:schemeClr val="accent1">
+        <a:shade val="60000"/>
+      </a:schemeClr>
+    </dgm:linClrLst>
+    <dgm:effectClrLst/>
+    <dgm:txLinClrLst/>
+    <dgm:txFillClrLst meth="repeat">
+      <a:schemeClr val="tx1"/>
+    </dgm:txFillClrLst>
+    <dgm:txEffectClrLst/>
+  </dgm:styleLbl>
+  <dgm:styleLbl name="parChTrans1D3">
+    <dgm:fillClrLst meth="repeat">
+      <a:schemeClr val="accent1"/>
+    </dgm:fillClrLst>
+    <dgm:linClrLst meth="repeat">
+      <a:schemeClr val="accent1">
+        <a:shade val="80000"/>
+      </a:schemeClr>
+    </dgm:linClrLst>
+    <dgm:effectClrLst/>
+    <dgm:txLinClrLst/>
+    <dgm:txFillClrLst meth="repeat">
+      <a:schemeClr val="tx1"/>
+    </dgm:txFillClrLst>
+    <dgm:txEffectClrLst/>
+  </dgm:styleLbl>
+  <dgm:styleLbl name="parChTrans1D4">
+    <dgm:fillClrLst meth="repeat">
+      <a:schemeClr val="accent1"/>
+    </dgm:fillClrLst>
+    <dgm:linClrLst meth="repeat">
+      <a:schemeClr val="accent1">
+        <a:shade val="80000"/>
+      </a:schemeClr>
+    </dgm:linClrLst>
+    <dgm:effectClrLst/>
+    <dgm:txLinClrLst/>
+    <dgm:txFillClrLst meth="repeat">
+      <a:schemeClr val="tx1"/>
+    </dgm:txFillClrLst>
+    <dgm:txEffectClrLst/>
+  </dgm:styleLbl>
+  <dgm:styleLbl name="fgAcc1">
+    <dgm:fillClrLst meth="repeat">
+      <a:schemeClr val="lt1">
+        <a:alpha val="90000"/>
+      </a:schemeClr>
+    </dgm:fillClrLst>
+    <dgm:linClrLst meth="repeat">
+      <a:schemeClr val="accent1"/>
+    </dgm:linClrLst>
+    <dgm:effectClrLst/>
+    <dgm:txLinClrLst/>
+    <dgm:txFillClrLst meth="repeat">
+      <a:schemeClr val="dk1"/>
+    </dgm:txFillClrLst>
+    <dgm:txEffectClrLst/>
+  </dgm:styleLbl>
+  <dgm:styleLbl name="conFgAcc1">
+    <dgm:fillClrLst meth="repeat">
+      <a:schemeClr val="lt1">
+        <a:alpha val="90000"/>
+      </a:schemeClr>
+    </dgm:fillClrLst>
+    <dgm:linClrLst meth="repeat">
+      <a:schemeClr val="accent1"/>
+    </dgm:linClrLst>
+    <dgm:effectClrLst/>
+    <dgm:txLinClrLst/>
+    <dgm:txFillClrLst meth="repeat">
+      <a:schemeClr val="dk1"/>
+    </dgm:txFillClrLst>
+    <dgm:txEffectClrLst/>
+  </dgm:styleLbl>
+  <dgm:styleLbl name="alignAcc1">
+    <dgm:fillClrLst meth="repeat">
+      <a:schemeClr val="lt1">
+        <a:alpha val="90000"/>
+      </a:schemeClr>
+    </dgm:fillClrLst>
+    <dgm:linClrLst meth="repeat">
+      <a:schemeClr val="accent1"/>
+    </dgm:linClrLst>
+    <dgm:effectClrLst/>
+    <dgm:txLinClrLst/>
+    <dgm:txFillClrLst meth="repeat">
+      <a:schemeClr val="dk1"/>
+    </dgm:txFillClrLst>
+    <dgm:txEffectClrLst/>
+  </dgm:styleLbl>
+  <dgm:styleLbl name="trAlignAcc1">
+    <dgm:fillClrLst meth="repeat">
+      <a:schemeClr val="lt1">
+        <a:alpha val="40000"/>
+      </a:schemeClr>
+    </dgm:fillClrLst>
+    <dgm:linClrLst meth="repeat">
+      <a:schemeClr val="accent1"/>
+    </dgm:linClrLst>
+    <dgm:effectClrLst/>
+    <dgm:txLinClrLst/>
+    <dgm:txFillClrLst meth="repeat">
+      <a:schemeClr val="dk1"/>
+    </dgm:txFillClrLst>
+    <dgm:txEffectClrLst/>
+  </dgm:styleLbl>
+  <dgm:styleLbl name="bgAcc1">
+    <dgm:fillClrLst meth="repeat">
+      <a:schemeClr val="lt1">
+        <a:alpha val="90000"/>
+      </a:schemeClr>
+    </dgm:fillClrLst>
+    <dgm:linClrLst meth="repeat">
+      <a:schemeClr val="accent1"/>
+    </dgm:linClrLst>
+    <dgm:effectClrLst/>
+    <dgm:txLinClrLst/>
+    <dgm:txFillClrLst meth="repeat">
+      <a:schemeClr val="dk1"/>
+    </dgm:txFillClrLst>
+    <dgm:txEffectClrLst/>
+  </dgm:styleLbl>
+  <dgm:styleLbl name="solidFgAcc1">
+    <dgm:fillClrLst meth="repeat">
+      <a:schemeClr val="lt1"/>
+    </dgm:fillClrLst>
+    <dgm:linClrLst meth="repeat">
+      <a:schemeClr val="accent1"/>
+    </dgm:linClrLst>
+    <dgm:effectClrLst/>
+    <dgm:txLinClrLst/>
+    <dgm:txFillClrLst meth="repeat">
+      <a:schemeClr val="dk1"/>
+    </dgm:txFillClrLst>
+    <dgm:txEffectClrLst/>
+  </dgm:styleLbl>
+  <dgm:styleLbl name="solidAlignAcc1">
+    <dgm:fillClrLst meth="repeat">
+      <a:schemeClr val="lt1"/>
+    </dgm:fillClrLst>
+    <dgm:linClrLst meth="repeat">
+      <a:schemeClr val="accent1"/>
+    </dgm:linClrLst>
+    <dgm:effectClrLst/>
+    <dgm:txLinClrLst/>
+    <dgm:txFillClrLst meth="repeat">
+      <a:schemeClr val="dk1"/>
+    </dgm:txFillClrLst>
+    <dgm:txEffectClrLst/>
+  </dgm:styleLbl>
+  <dgm:styleLbl name="solidBgAcc1">
+    <dgm:fillClrLst meth="repeat">
+      <a:schemeClr val="lt1"/>
+    </dgm:fillClrLst>
+    <dgm:linClrLst meth="repeat">
+      <a:schemeClr val="accent1"/>
+    </dgm:linClrLst>
+    <dgm:effectClrLst/>
+    <dgm:txLinClrLst/>
+    <dgm:txFillClrLst meth="repeat">
+      <a:schemeClr val="dk1"/>
+    </dgm:txFillClrLst>
+    <dgm:txEffectClrLst/>
+  </dgm:styleLbl>
+  <dgm:styleLbl name="fgAccFollowNode1">
+    <dgm:fillClrLst meth="repeat">
+      <a:schemeClr val="accent1">
+        <a:alpha val="90000"/>
+        <a:tint val="40000"/>
+      </a:schemeClr>
+    </dgm:fillClrLst>
+    <dgm:linClrLst meth="repeat">
+      <a:schemeClr val="accent1">
+        <a:alpha val="90000"/>
+        <a:tint val="40000"/>
+      </a:schemeClr>
+    </dgm:linClrLst>
+    <dgm:effectClrLst/>
+    <dgm:txLinClrLst/>
+    <dgm:txFillClrLst meth="repeat">
+      <a:schemeClr val="dk1"/>
+    </dgm:txFillClrLst>
+    <dgm:txEffectClrLst/>
+  </dgm:styleLbl>
+  <dgm:styleLbl name="alignAccFollowNode1">
+    <dgm:fillClrLst meth="repeat">
+      <a:schemeClr val="accent1">
+        <a:alpha val="90000"/>
+        <a:tint val="40000"/>
+      </a:schemeClr>
+    </dgm:fillClrLst>
+    <dgm:linClrLst meth="repeat">
+      <a:schemeClr val="accent1">
+        <a:alpha val="90000"/>
+        <a:tint val="40000"/>
+      </a:schemeClr>
+    </dgm:linClrLst>
+    <dgm:effectClrLst/>
+    <dgm:txLinClrLst/>
+    <dgm:txFillClrLst meth="repeat">
+      <a:schemeClr val="dk1"/>
+    </dgm:txFillClrLst>
+    <dgm:txEffectClrLst/>
+  </dgm:styleLbl>
+  <dgm:styleLbl name="bgAccFollowNode1">
+    <dgm:fillClrLst meth="repeat">
+      <a:schemeClr val="accent1">
+        <a:alpha val="90000"/>
+        <a:tint val="40000"/>
+      </a:schemeClr>
+    </dgm:fillClrLst>
+    <dgm:linClrLst meth="repeat">
+      <a:schemeClr val="accent1">
+        <a:alpha val="90000"/>
+        <a:tint val="40000"/>
+      </a:schemeClr>
+    </dgm:linClrLst>
+    <dgm:effectClrLst/>
+    <dgm:txLinClrLst/>
+    <dgm:txFillClrLst meth="repeat">
+      <a:schemeClr val="dk1"/>
+    </dgm:txFillClrLst>
+    <dgm:txEffectClrLst/>
+  </dgm:styleLbl>
+  <dgm:styleLbl name="fgAcc0">
+    <dgm:fillClrLst meth="repeat">
+      <a:schemeClr val="lt1">
+        <a:alpha val="90000"/>
+      </a:schemeClr>
+    </dgm:fillClrLst>
+    <dgm:linClrLst meth="repeat">
+      <a:schemeClr val="accent1"/>
+    </dgm:linClrLst>
+    <dgm:effectClrLst/>
+    <dgm:txLinClrLst/>
+    <dgm:txFillClrLst meth="repeat">
+      <a:schemeClr val="dk1"/>
+    </dgm:txFillClrLst>
+    <dgm:txEffectClrLst/>
+  </dgm:styleLbl>
+  <dgm:styleLbl name="fgAcc2">
+    <dgm:fillClrLst meth="repeat">
+      <a:schemeClr val="lt1">
+        <a:alpha val="90000"/>
+      </a:schemeClr>
+    </dgm:fillClrLst>
+    <dgm:linClrLst meth="repeat">
+      <a:schemeClr val="accent1"/>
+    </dgm:linClrLst>
+    <dgm:effectClrLst/>
+    <dgm:txLinClrLst/>
+    <dgm:txFillClrLst meth="repeat">
+      <a:schemeClr val="dk1"/>
+    </dgm:txFillClrLst>
+    <dgm:txEffectClrLst/>
+  </dgm:styleLbl>
+  <dgm:styleLbl name="fgAcc3">
+    <dgm:fillClrLst meth="repeat">
+      <a:schemeClr val="lt1">
+        <a:alpha val="90000"/>
+      </a:schemeClr>
+    </dgm:fillClrLst>
+    <dgm:linClrLst meth="repeat">
+      <a:schemeClr val="accent1"/>
+    </dgm:linClrLst>
+    <dgm:effectClrLst/>
+    <dgm:txLinClrLst/>
+    <dgm:txFillClrLst meth="repeat">
+      <a:schemeClr val="dk1"/>
+    </dgm:txFillClrLst>
+    <dgm:txEffectClrLst/>
+  </dgm:styleLbl>
+  <dgm:styleLbl name="fgAcc4">
+    <dgm:fillClrLst meth="repeat">
+      <a:schemeClr val="lt1">
+        <a:alpha val="90000"/>
+      </a:schemeClr>
+    </dgm:fillClrLst>
+    <dgm:linClrLst meth="repeat">
+      <a:schemeClr val="accent1"/>
+    </dgm:linClrLst>
+    <dgm:effectClrLst/>
+    <dgm:txLinClrLst/>
+    <dgm:txFillClrLst meth="repeat">
+      <a:schemeClr val="dk1"/>
+    </dgm:txFillClrLst>
+    <dgm:txEffectClrLst/>
+  </dgm:styleLbl>
+  <dgm:styleLbl name="bgShp">
+    <dgm:fillClrLst meth="repeat">
+      <a:schemeClr val="accent1">
+        <a:tint val="40000"/>
+      </a:schemeClr>
+    </dgm:fillClrLst>
+    <dgm:linClrLst meth="repeat">
+      <a:schemeClr val="accent1"/>
+    </dgm:linClrLst>
+    <dgm:effectClrLst/>
+    <dgm:txLinClrLst/>
+    <dgm:txFillClrLst meth="repeat">
+      <a:schemeClr val="dk1"/>
+    </dgm:txFillClrLst>
+    <dgm:txEffectClrLst/>
+  </dgm:styleLbl>
+  <dgm:styleLbl name="dkBgShp">
+    <dgm:fillClrLst meth="repeat">
+      <a:schemeClr val="accent1">
+        <a:shade val="80000"/>
+      </a:schemeClr>
+    </dgm:fillClrLst>
+    <dgm:linClrLst meth="repeat">
+      <a:schemeClr val="accent1"/>
+    </dgm:linClrLst>
+    <dgm:effectClrLst/>
+    <dgm:txLinClrLst/>
+    <dgm:txFillClrLst meth="repeat">
+      <a:schemeClr val="lt1"/>
+    </dgm:txFillClrLst>
+    <dgm:txEffectClrLst/>
+  </dgm:styleLbl>
+  <dgm:styleLbl name="trBgShp">
+    <dgm:fillClrLst meth="repeat">
+      <a:schemeClr val="accent1">
+        <a:tint val="50000"/>
+        <a:alpha val="40000"/>
+      </a:schemeClr>
+    </dgm:fillClrLst>
+    <dgm:linClrLst meth="repeat">
+      <a:schemeClr val="accent1"/>
+    </dgm:linClrLst>
+    <dgm:effectClrLst/>
+    <dgm:txLinClrLst/>
+    <dgm:txFillClrLst meth="repeat">
+      <a:schemeClr val="lt1"/>
+    </dgm:txFillClrLst>
+    <dgm:txEffectClrLst/>
+  </dgm:styleLbl>
+  <dgm:styleLbl name="fgShp">
+    <dgm:fillClrLst meth="repeat">
+      <a:schemeClr val="accent1">
+        <a:tint val="60000"/>
+      </a:schemeClr>
+    </dgm:fillClrLst>
+    <dgm:linClrLst meth="repeat">
+      <a:schemeClr val="lt1"/>
+    </dgm:linClrLst>
+    <dgm:effectClrLst/>
+    <dgm:txLinClrLst/>
+    <dgm:txFillClrLst meth="repeat">
+      <a:schemeClr val="dk1"/>
+    </dgm:txFillClrLst>
+    <dgm:txEffectClrLst/>
+  </dgm:styleLbl>
+  <dgm:styleLbl name="revTx">
+    <dgm:fillClrLst meth="repeat">
+      <a:schemeClr val="lt1">
+        <a:alpha val="0"/>
+      </a:schemeClr>
+    </dgm:fillClrLst>
+    <dgm:linClrLst meth="repeat">
+      <a:schemeClr val="dk1">
+        <a:alpha val="0"/>
+      </a:schemeClr>
+    </dgm:linClrLst>
+    <dgm:effectClrLst/>
+    <dgm:txLinClrLst/>
+    <dgm:txFillClrLst meth="repeat">
+      <a:schemeClr val="tx1"/>
+    </dgm:txFillClrLst>
+    <dgm:txEffectClrLst/>
+  </dgm:styleLbl>
+</dgm:colorsDef>
+</file>
+
 <file path=ppt/diagrams/data1.xml><?xml version="1.0" encoding="utf-8"?>
 <dgm:dataModel xmlns:dgm="http://schemas.openxmlformats.org/drawingml/2006/diagram" xmlns:a="http://schemas.openxmlformats.org/drawingml/2006/main">
   <dgm:ptLst>
@@ -4982,6 +5730,220 @@
     </dgm:pt>
     <dgm:pt modelId="{DC7EAB32-06D4-461E-9921-F0FD8373F1B4}" type="pres">
       <dgm:prSet presAssocID="{4AC92C86-D455-4FEE-9743-5571BE46D524}" presName="iconRect" presStyleLbl="node1" presStyleIdx="1" presStyleCnt="2"/>
+      <dgm:spPr>
+        <a:blipFill>
+          <a:blip xmlns:r="http://schemas.openxmlformats.org/officeDocument/2006/relationships" r:embed="rId3">
+            <a:extLst>
+              <a:ext uri="{28A0092B-C50C-407E-A947-70E740481C1C}">
+                <a14:useLocalDpi xmlns:a14="http://schemas.microsoft.com/office/drawing/2010/main" val="0"/>
+              </a:ext>
+              <a:ext uri="{96DAC541-7B7A-43D3-8B79-37D633B846F1}">
+                <asvg:svgBlip xmlns:asvg="http://schemas.microsoft.com/office/drawing/2016/SVG/main" r:embed="rId4"/>
+              </a:ext>
+            </a:extLst>
+          </a:blip>
+          <a:stretch>
+            <a:fillRect/>
+          </a:stretch>
+        </a:blipFill>
+      </dgm:spPr>
+      <dgm:extLst>
+        <a:ext uri="{E40237B7-FDA0-4F09-8148-C483321AD2D9}">
+          <dgm14:cNvPr xmlns:dgm14="http://schemas.microsoft.com/office/drawing/2010/diagram" id="0" name="" descr="核取記號"/>
+        </a:ext>
+      </dgm:extLst>
+    </dgm:pt>
+    <dgm:pt modelId="{2C758FED-83ED-4846-A9EA-6FD7217D55FF}" type="pres">
+      <dgm:prSet presAssocID="{4AC92C86-D455-4FEE-9743-5571BE46D524}" presName="spaceRect" presStyleCnt="0"/>
+      <dgm:spPr/>
+    </dgm:pt>
+    <dgm:pt modelId="{09ED3324-6FBB-4D32-97BB-23B975212C62}" type="pres">
+      <dgm:prSet presAssocID="{4AC92C86-D455-4FEE-9743-5571BE46D524}" presName="textRect" presStyleLbl="revTx" presStyleIdx="1" presStyleCnt="2" custScaleX="139904" custLinFactNeighborX="243" custLinFactNeighborY="-25755">
+        <dgm:presLayoutVars>
+          <dgm:chMax val="1"/>
+          <dgm:chPref val="1"/>
+        </dgm:presLayoutVars>
+      </dgm:prSet>
+      <dgm:spPr/>
+    </dgm:pt>
+  </dgm:ptLst>
+  <dgm:cxnLst>
+    <dgm:cxn modelId="{93388F47-66B3-4EF2-8DF5-DF3271BB8535}" type="presOf" srcId="{4AC92C86-D455-4FEE-9743-5571BE46D524}" destId="{09ED3324-6FBB-4D32-97BB-23B975212C62}" srcOrd="0" destOrd="0" presId="urn:microsoft.com/office/officeart/2018/2/layout/IconLabelList"/>
+    <dgm:cxn modelId="{7B0966C2-C0BB-48F8-AFE2-10A5CE540EFD}" srcId="{8F760EAA-8076-4C79-BF20-72E58777741D}" destId="{2F85D271-553A-47AD-841F-4D7BBE721147}" srcOrd="0" destOrd="0" parTransId="{0F4B350F-98E3-4C0C-B211-D0EE4372E200}" sibTransId="{43BD6EDB-5105-48F4-BD53-C001D783B3FA}"/>
+    <dgm:cxn modelId="{3DA6FCCE-D36B-4006-99D6-10CD449BA14B}" srcId="{8F760EAA-8076-4C79-BF20-72E58777741D}" destId="{4AC92C86-D455-4FEE-9743-5571BE46D524}" srcOrd="1" destOrd="0" parTransId="{E9646703-040F-494D-921E-38AFD864DB46}" sibTransId="{007E79FB-4DF6-41C2-80D0-355E9E33EFCE}"/>
+    <dgm:cxn modelId="{6D4214D8-1288-4A4D-842F-A22123C63654}" type="presOf" srcId="{8F760EAA-8076-4C79-BF20-72E58777741D}" destId="{70870B4D-8CB0-4EC2-91BB-A3CB0EE36F94}" srcOrd="0" destOrd="0" presId="urn:microsoft.com/office/officeart/2018/2/layout/IconLabelList"/>
+    <dgm:cxn modelId="{9A64BCEB-42EC-460C-BAE2-6490453F9C6C}" type="presOf" srcId="{2F85D271-553A-47AD-841F-4D7BBE721147}" destId="{C5F653CB-1622-4B99-BDC0-5815D8BEFD43}" srcOrd="0" destOrd="0" presId="urn:microsoft.com/office/officeart/2018/2/layout/IconLabelList"/>
+    <dgm:cxn modelId="{0337FB41-C171-4BB2-A729-1DE59EF63D0F}" type="presParOf" srcId="{70870B4D-8CB0-4EC2-91BB-A3CB0EE36F94}" destId="{16F79DF9-E9A1-4866-9633-8340F0057D47}" srcOrd="0" destOrd="0" presId="urn:microsoft.com/office/officeart/2018/2/layout/IconLabelList"/>
+    <dgm:cxn modelId="{A08117BD-A32A-4EC5-9636-644FCF544903}" type="presParOf" srcId="{16F79DF9-E9A1-4866-9633-8340F0057D47}" destId="{5D7F06B5-2E11-4043-9C50-8B1889B3A5D3}" srcOrd="0" destOrd="0" presId="urn:microsoft.com/office/officeart/2018/2/layout/IconLabelList"/>
+    <dgm:cxn modelId="{1DFEFDA4-7EE4-4C15-A332-DA2016001F98}" type="presParOf" srcId="{16F79DF9-E9A1-4866-9633-8340F0057D47}" destId="{7016774B-A78C-4CFF-AF4E-63D75646CE46}" srcOrd="1" destOrd="0" presId="urn:microsoft.com/office/officeart/2018/2/layout/IconLabelList"/>
+    <dgm:cxn modelId="{BA194C6E-3FBB-4EF6-9CF0-A5C0C5659397}" type="presParOf" srcId="{16F79DF9-E9A1-4866-9633-8340F0057D47}" destId="{C5F653CB-1622-4B99-BDC0-5815D8BEFD43}" srcOrd="2" destOrd="0" presId="urn:microsoft.com/office/officeart/2018/2/layout/IconLabelList"/>
+    <dgm:cxn modelId="{1FD25FBE-B907-40FA-ABE2-8AEFC08FCE83}" type="presParOf" srcId="{70870B4D-8CB0-4EC2-91BB-A3CB0EE36F94}" destId="{00CDF1AF-C88F-4D11-AE8A-3311864B094A}" srcOrd="1" destOrd="0" presId="urn:microsoft.com/office/officeart/2018/2/layout/IconLabelList"/>
+    <dgm:cxn modelId="{35A25BE3-2187-4054-81A1-F66374450153}" type="presParOf" srcId="{70870B4D-8CB0-4EC2-91BB-A3CB0EE36F94}" destId="{5325B24F-220C-4D17-AD0F-4412BC44B027}" srcOrd="2" destOrd="0" presId="urn:microsoft.com/office/officeart/2018/2/layout/IconLabelList"/>
+    <dgm:cxn modelId="{46B5440D-09E3-45BA-A14A-57D1CFAECD97}" type="presParOf" srcId="{5325B24F-220C-4D17-AD0F-4412BC44B027}" destId="{DC7EAB32-06D4-461E-9921-F0FD8373F1B4}" srcOrd="0" destOrd="0" presId="urn:microsoft.com/office/officeart/2018/2/layout/IconLabelList"/>
+    <dgm:cxn modelId="{F8CD6A34-074F-4BB9-838A-6EBD17A9958B}" type="presParOf" srcId="{5325B24F-220C-4D17-AD0F-4412BC44B027}" destId="{2C758FED-83ED-4846-A9EA-6FD7217D55FF}" srcOrd="1" destOrd="0" presId="urn:microsoft.com/office/officeart/2018/2/layout/IconLabelList"/>
+    <dgm:cxn modelId="{BFD080DA-68C2-4E53-BBC1-568791ACB692}" type="presParOf" srcId="{5325B24F-220C-4D17-AD0F-4412BC44B027}" destId="{09ED3324-6FBB-4D32-97BB-23B975212C62}" srcOrd="2" destOrd="0" presId="urn:microsoft.com/office/officeart/2018/2/layout/IconLabelList"/>
+  </dgm:cxnLst>
+  <dgm:bg/>
+  <dgm:whole/>
+  <dgm:extLst>
+    <a:ext uri="http://schemas.microsoft.com/office/drawing/2008/diagram">
+      <dsp:dataModelExt xmlns:dsp="http://schemas.microsoft.com/office/drawing/2008/diagram" relId="rId6" minVer="http://schemas.openxmlformats.org/drawingml/2006/diagram"/>
+    </a:ext>
+  </dgm:extLst>
+</dgm:dataModel>
+</file>
+
+<file path=ppt/diagrams/data4.xml><?xml version="1.0" encoding="utf-8"?>
+<dgm:dataModel xmlns:dgm="http://schemas.openxmlformats.org/drawingml/2006/diagram" xmlns:a="http://schemas.openxmlformats.org/drawingml/2006/main">
+  <dgm:ptLst>
+    <dgm:pt modelId="{8F760EAA-8076-4C79-BF20-72E58777741D}" type="doc">
+      <dgm:prSet loTypeId="urn:microsoft.com/office/officeart/2018/2/layout/IconLabelList" loCatId="icon" qsTypeId="urn:microsoft.com/office/officeart/2005/8/quickstyle/simple1" qsCatId="simple" csTypeId="urn:microsoft.com/office/officeart/2005/8/colors/accent1_2" csCatId="accent1" phldr="1"/>
+      <dgm:spPr/>
+      <dgm:t>
+        <a:bodyPr/>
+        <a:lstStyle/>
+        <a:p>
+          <a:endParaRPr lang="en-US"/>
+        </a:p>
+      </dgm:t>
+    </dgm:pt>
+    <dgm:pt modelId="{2F85D271-553A-47AD-841F-4D7BBE721147}">
+      <dgm:prSet custT="1"/>
+      <dgm:spPr/>
+      <dgm:t>
+        <a:bodyPr/>
+        <a:lstStyle/>
+        <a:p>
+          <a:pPr>
+            <a:lnSpc>
+              <a:spcPct val="100000"/>
+            </a:lnSpc>
+          </a:pPr>
+          <a:endParaRPr lang="en-US" sz="1600" dirty="0"/>
+        </a:p>
+      </dgm:t>
+    </dgm:pt>
+    <dgm:pt modelId="{0F4B350F-98E3-4C0C-B211-D0EE4372E200}" type="parTrans" cxnId="{7B0966C2-C0BB-48F8-AFE2-10A5CE540EFD}">
+      <dgm:prSet/>
+      <dgm:spPr/>
+      <dgm:t>
+        <a:bodyPr/>
+        <a:lstStyle/>
+        <a:p>
+          <a:endParaRPr lang="en-US"/>
+        </a:p>
+      </dgm:t>
+    </dgm:pt>
+    <dgm:pt modelId="{43BD6EDB-5105-48F4-BD53-C001D783B3FA}" type="sibTrans" cxnId="{7B0966C2-C0BB-48F8-AFE2-10A5CE540EFD}">
+      <dgm:prSet/>
+      <dgm:spPr/>
+      <dgm:t>
+        <a:bodyPr/>
+        <a:lstStyle/>
+        <a:p>
+          <a:endParaRPr lang="en-US"/>
+        </a:p>
+      </dgm:t>
+    </dgm:pt>
+    <dgm:pt modelId="{4AC92C86-D455-4FEE-9743-5571BE46D524}">
+      <dgm:prSet custT="1"/>
+      <dgm:spPr/>
+      <dgm:t>
+        <a:bodyPr/>
+        <a:lstStyle/>
+        <a:p>
+          <a:pPr>
+            <a:lnSpc>
+              <a:spcPct val="100000"/>
+            </a:lnSpc>
+          </a:pPr>
+          <a:endParaRPr lang="en-US" sz="1600" dirty="0"/>
+        </a:p>
+      </dgm:t>
+    </dgm:pt>
+    <dgm:pt modelId="{E9646703-040F-494D-921E-38AFD864DB46}" type="parTrans" cxnId="{3DA6FCCE-D36B-4006-99D6-10CD449BA14B}">
+      <dgm:prSet/>
+      <dgm:spPr/>
+      <dgm:t>
+        <a:bodyPr/>
+        <a:lstStyle/>
+        <a:p>
+          <a:endParaRPr lang="en-US"/>
+        </a:p>
+      </dgm:t>
+    </dgm:pt>
+    <dgm:pt modelId="{007E79FB-4DF6-41C2-80D0-355E9E33EFCE}" type="sibTrans" cxnId="{3DA6FCCE-D36B-4006-99D6-10CD449BA14B}">
+      <dgm:prSet/>
+      <dgm:spPr/>
+      <dgm:t>
+        <a:bodyPr/>
+        <a:lstStyle/>
+        <a:p>
+          <a:endParaRPr lang="en-US"/>
+        </a:p>
+      </dgm:t>
+    </dgm:pt>
+    <dgm:pt modelId="{70870B4D-8CB0-4EC2-91BB-A3CB0EE36F94}" type="pres">
+      <dgm:prSet presAssocID="{8F760EAA-8076-4C79-BF20-72E58777741D}" presName="root" presStyleCnt="0">
+        <dgm:presLayoutVars>
+          <dgm:dir/>
+          <dgm:resizeHandles val="exact"/>
+        </dgm:presLayoutVars>
+      </dgm:prSet>
+      <dgm:spPr/>
+    </dgm:pt>
+    <dgm:pt modelId="{16F79DF9-E9A1-4866-9633-8340F0057D47}" type="pres">
+      <dgm:prSet presAssocID="{2F85D271-553A-47AD-841F-4D7BBE721147}" presName="compNode" presStyleCnt="0"/>
+      <dgm:spPr/>
+    </dgm:pt>
+    <dgm:pt modelId="{5D7F06B5-2E11-4043-9C50-8B1889B3A5D3}" type="pres">
+      <dgm:prSet presAssocID="{2F85D271-553A-47AD-841F-4D7BBE721147}" presName="iconRect" presStyleLbl="node1" presStyleIdx="0" presStyleCnt="2" custScaleX="139863" custScaleY="114834" custLinFactNeighborX="-34735" custLinFactNeighborY="-2924"/>
+      <dgm:spPr>
+        <a:blipFill>
+          <a:blip xmlns:r="http://schemas.openxmlformats.org/officeDocument/2006/relationships" r:embed="rId1">
+            <a:extLst>
+              <a:ext uri="{28A0092B-C50C-407E-A947-70E740481C1C}">
+                <a14:useLocalDpi xmlns:a14="http://schemas.microsoft.com/office/drawing/2010/main" val="0"/>
+              </a:ext>
+              <a:ext uri="{96DAC541-7B7A-43D3-8B79-37D633B846F1}">
+                <asvg:svgBlip xmlns:asvg="http://schemas.microsoft.com/office/drawing/2016/SVG/main" r:embed="rId2"/>
+              </a:ext>
+            </a:extLst>
+          </a:blip>
+          <a:stretch>
+            <a:fillRect/>
+          </a:stretch>
+        </a:blipFill>
+      </dgm:spPr>
+      <dgm:extLst>
+        <a:ext uri="{E40237B7-FDA0-4F09-8148-C483321AD2D9}">
+          <dgm14:cNvPr xmlns:dgm14="http://schemas.microsoft.com/office/drawing/2010/diagram" id="0" name="" descr="電腦"/>
+        </a:ext>
+      </dgm:extLst>
+    </dgm:pt>
+    <dgm:pt modelId="{7016774B-A78C-4CFF-AF4E-63D75646CE46}" type="pres">
+      <dgm:prSet presAssocID="{2F85D271-553A-47AD-841F-4D7BBE721147}" presName="spaceRect" presStyleCnt="0"/>
+      <dgm:spPr/>
+    </dgm:pt>
+    <dgm:pt modelId="{C5F653CB-1622-4B99-BDC0-5815D8BEFD43}" type="pres">
+      <dgm:prSet presAssocID="{2F85D271-553A-47AD-841F-4D7BBE721147}" presName="textRect" presStyleLbl="revTx" presStyleIdx="0" presStyleCnt="2" custScaleX="116833">
+        <dgm:presLayoutVars>
+          <dgm:chMax val="1"/>
+          <dgm:chPref val="1"/>
+        </dgm:presLayoutVars>
+      </dgm:prSet>
+      <dgm:spPr/>
+    </dgm:pt>
+    <dgm:pt modelId="{00CDF1AF-C88F-4D11-AE8A-3311864B094A}" type="pres">
+      <dgm:prSet presAssocID="{43BD6EDB-5105-48F4-BD53-C001D783B3FA}" presName="sibTrans" presStyleCnt="0"/>
+      <dgm:spPr/>
+    </dgm:pt>
+    <dgm:pt modelId="{5325B24F-220C-4D17-AD0F-4412BC44B027}" type="pres">
+      <dgm:prSet presAssocID="{4AC92C86-D455-4FEE-9743-5571BE46D524}" presName="compNode" presStyleCnt="0"/>
+      <dgm:spPr/>
+    </dgm:pt>
+    <dgm:pt modelId="{DC7EAB32-06D4-461E-9921-F0FD8373F1B4}" type="pres">
+      <dgm:prSet presAssocID="{4AC92C86-D455-4FEE-9743-5571BE46D524}" presName="iconRect" presStyleLbl="node1" presStyleIdx="1" presStyleCnt="2" custScaleX="125048" custScaleY="122053" custLinFactNeighborX="-51155" custLinFactNeighborY="-11368"/>
       <dgm:spPr>
         <a:blipFill>
           <a:blip xmlns:r="http://schemas.openxmlformats.org/officeDocument/2006/relationships" r:embed="rId3">
@@ -5886,6 +6848,244 @@
 </dsp:drawing>
 </file>
 
+<file path=ppt/diagrams/drawing4.xml><?xml version="1.0" encoding="utf-8"?>
+<dsp:drawing xmlns:dgm="http://schemas.openxmlformats.org/drawingml/2006/diagram" xmlns:dsp="http://schemas.microsoft.com/office/drawing/2008/diagram" xmlns:a="http://schemas.openxmlformats.org/drawingml/2006/main">
+  <dsp:spTree>
+    <dsp:nvGrpSpPr>
+      <dsp:cNvPr id="0" name=""/>
+      <dsp:cNvGrpSpPr/>
+    </dsp:nvGrpSpPr>
+    <dsp:grpSpPr/>
+    <dsp:sp modelId="{5D7F06B5-2E11-4043-9C50-8B1889B3A5D3}">
+      <dsp:nvSpPr>
+        <dsp:cNvPr id="0" name=""/>
+        <dsp:cNvSpPr/>
+      </dsp:nvSpPr>
+      <dsp:spPr>
+        <a:xfrm>
+          <a:off x="410023" y="517772"/>
+          <a:ext cx="2025041" cy="1662652"/>
+        </a:xfrm>
+        <a:prstGeom prst="rect">
+          <a:avLst/>
+        </a:prstGeom>
+        <a:blipFill>
+          <a:blip xmlns:r="http://schemas.openxmlformats.org/officeDocument/2006/relationships" r:embed="rId1">
+            <a:extLst>
+              <a:ext uri="{28A0092B-C50C-407E-A947-70E740481C1C}">
+                <a14:useLocalDpi xmlns:a14="http://schemas.microsoft.com/office/drawing/2010/main" val="0"/>
+              </a:ext>
+              <a:ext uri="{96DAC541-7B7A-43D3-8B79-37D633B846F1}">
+                <asvg:svgBlip xmlns:asvg="http://schemas.microsoft.com/office/drawing/2016/SVG/main" r:embed="rId2"/>
+              </a:ext>
+            </a:extLst>
+          </a:blip>
+          <a:stretch>
+            <a:fillRect/>
+          </a:stretch>
+        </a:blipFill>
+        <a:ln w="15875" cap="rnd" cmpd="sng" algn="ctr">
+          <a:solidFill>
+            <a:schemeClr val="lt1">
+              <a:hueOff val="0"/>
+              <a:satOff val="0"/>
+              <a:lumOff val="0"/>
+              <a:alphaOff val="0"/>
+            </a:schemeClr>
+          </a:solidFill>
+          <a:prstDash val="solid"/>
+        </a:ln>
+        <a:effectLst/>
+      </dsp:spPr>
+      <dsp:style>
+        <a:lnRef idx="2">
+          <a:scrgbClr r="0" g="0" b="0"/>
+        </a:lnRef>
+        <a:fillRef idx="1">
+          <a:scrgbClr r="0" g="0" b="0"/>
+        </a:fillRef>
+        <a:effectRef idx="0">
+          <a:scrgbClr r="0" g="0" b="0"/>
+        </a:effectRef>
+        <a:fontRef idx="minor">
+          <a:schemeClr val="lt1"/>
+        </a:fontRef>
+      </dsp:style>
+    </dsp:sp>
+    <dsp:sp modelId="{C5F653CB-1622-4B99-BDC0-5815D8BEFD43}">
+      <dsp:nvSpPr>
+        <dsp:cNvPr id="0" name=""/>
+        <dsp:cNvSpPr/>
+      </dsp:nvSpPr>
+      <dsp:spPr>
+        <a:xfrm>
+          <a:off x="45912" y="2498141"/>
+          <a:ext cx="3759101" cy="720000"/>
+        </a:xfrm>
+        <a:prstGeom prst="rect">
+          <a:avLst/>
+        </a:prstGeom>
+        <a:noFill/>
+        <a:ln>
+          <a:noFill/>
+        </a:ln>
+        <a:effectLst/>
+      </dsp:spPr>
+      <dsp:style>
+        <a:lnRef idx="0">
+          <a:scrgbClr r="0" g="0" b="0"/>
+        </a:lnRef>
+        <a:fillRef idx="0">
+          <a:scrgbClr r="0" g="0" b="0"/>
+        </a:fillRef>
+        <a:effectRef idx="0">
+          <a:scrgbClr r="0" g="0" b="0"/>
+        </a:effectRef>
+        <a:fontRef idx="minor"/>
+      </dsp:style>
+      <dsp:txBody>
+        <a:bodyPr spcFirstLastPara="0" vert="horz" wrap="square" lIns="0" tIns="0" rIns="0" bIns="0" numCol="1" spcCol="1270" anchor="t" anchorCtr="0">
+          <a:noAutofit/>
+        </a:bodyPr>
+        <a:lstStyle/>
+        <a:p>
+          <a:pPr marL="0" lvl="0" indent="0" algn="ctr" defTabSz="711200">
+            <a:lnSpc>
+              <a:spcPct val="100000"/>
+            </a:lnSpc>
+            <a:spcBef>
+              <a:spcPct val="0"/>
+            </a:spcBef>
+            <a:spcAft>
+              <a:spcPct val="35000"/>
+            </a:spcAft>
+            <a:buNone/>
+          </a:pPr>
+          <a:endParaRPr lang="en-US" sz="1600" kern="1200" dirty="0"/>
+        </a:p>
+      </dsp:txBody>
+      <dsp:txXfrm>
+        <a:off x="45912" y="2498141"/>
+        <a:ext cx="3759101" cy="720000"/>
+      </dsp:txXfrm>
+    </dsp:sp>
+    <dsp:sp modelId="{DC7EAB32-06D4-461E-9921-F0FD8373F1B4}">
+      <dsp:nvSpPr>
+        <dsp:cNvPr id="0" name=""/>
+        <dsp:cNvSpPr/>
+      </dsp:nvSpPr>
+      <dsp:spPr>
+        <a:xfrm>
+          <a:off x="4972852" y="369383"/>
+          <a:ext cx="1810538" cy="1767174"/>
+        </a:xfrm>
+        <a:prstGeom prst="rect">
+          <a:avLst/>
+        </a:prstGeom>
+        <a:blipFill>
+          <a:blip xmlns:r="http://schemas.openxmlformats.org/officeDocument/2006/relationships" r:embed="rId3">
+            <a:extLst>
+              <a:ext uri="{28A0092B-C50C-407E-A947-70E740481C1C}">
+                <a14:useLocalDpi xmlns:a14="http://schemas.microsoft.com/office/drawing/2010/main" val="0"/>
+              </a:ext>
+              <a:ext uri="{96DAC541-7B7A-43D3-8B79-37D633B846F1}">
+                <asvg:svgBlip xmlns:asvg="http://schemas.microsoft.com/office/drawing/2016/SVG/main" r:embed="rId4"/>
+              </a:ext>
+            </a:extLst>
+          </a:blip>
+          <a:stretch>
+            <a:fillRect/>
+          </a:stretch>
+        </a:blipFill>
+        <a:ln w="15875" cap="rnd" cmpd="sng" algn="ctr">
+          <a:solidFill>
+            <a:schemeClr val="lt1">
+              <a:hueOff val="0"/>
+              <a:satOff val="0"/>
+              <a:lumOff val="0"/>
+              <a:alphaOff val="0"/>
+            </a:schemeClr>
+          </a:solidFill>
+          <a:prstDash val="solid"/>
+        </a:ln>
+        <a:effectLst/>
+      </dsp:spPr>
+      <dsp:style>
+        <a:lnRef idx="2">
+          <a:scrgbClr r="0" g="0" b="0"/>
+        </a:lnRef>
+        <a:fillRef idx="1">
+          <a:scrgbClr r="0" g="0" b="0"/>
+        </a:fillRef>
+        <a:effectRef idx="0">
+          <a:scrgbClr r="0" g="0" b="0"/>
+        </a:effectRef>
+        <a:fontRef idx="minor">
+          <a:schemeClr val="lt1"/>
+        </a:fontRef>
+      </dsp:style>
+    </dsp:sp>
+    <dsp:sp modelId="{09ED3324-6FBB-4D32-97BB-23B975212C62}">
+      <dsp:nvSpPr>
+        <dsp:cNvPr id="0" name=""/>
+        <dsp:cNvSpPr/>
+      </dsp:nvSpPr>
+      <dsp:spPr>
+        <a:xfrm>
+          <a:off x="4375895" y="2338836"/>
+          <a:ext cx="4501411" cy="720000"/>
+        </a:xfrm>
+        <a:prstGeom prst="rect">
+          <a:avLst/>
+        </a:prstGeom>
+        <a:noFill/>
+        <a:ln>
+          <a:noFill/>
+        </a:ln>
+        <a:effectLst/>
+      </dsp:spPr>
+      <dsp:style>
+        <a:lnRef idx="0">
+          <a:scrgbClr r="0" g="0" b="0"/>
+        </a:lnRef>
+        <a:fillRef idx="0">
+          <a:scrgbClr r="0" g="0" b="0"/>
+        </a:fillRef>
+        <a:effectRef idx="0">
+          <a:scrgbClr r="0" g="0" b="0"/>
+        </a:effectRef>
+        <a:fontRef idx="minor"/>
+      </dsp:style>
+      <dsp:txBody>
+        <a:bodyPr spcFirstLastPara="0" vert="horz" wrap="square" lIns="0" tIns="0" rIns="0" bIns="0" numCol="1" spcCol="1270" anchor="t" anchorCtr="0">
+          <a:noAutofit/>
+        </a:bodyPr>
+        <a:lstStyle/>
+        <a:p>
+          <a:pPr marL="0" lvl="0" indent="0" algn="ctr" defTabSz="711200">
+            <a:lnSpc>
+              <a:spcPct val="100000"/>
+            </a:lnSpc>
+            <a:spcBef>
+              <a:spcPct val="0"/>
+            </a:spcBef>
+            <a:spcAft>
+              <a:spcPct val="35000"/>
+            </a:spcAft>
+            <a:buNone/>
+          </a:pPr>
+          <a:endParaRPr lang="en-US" sz="1600" kern="1200" dirty="0"/>
+        </a:p>
+      </dsp:txBody>
+      <dsp:txXfrm>
+        <a:off x="4375895" y="2338836"/>
+        <a:ext cx="4501411" cy="720000"/>
+      </dsp:txXfrm>
+    </dsp:sp>
+  </dsp:spTree>
+</dsp:drawing>
+</file>
+
 <file path=ppt/diagrams/layout1.xml><?xml version="1.0" encoding="utf-8"?>
 <dgm:layoutDef xmlns:dgm="http://schemas.openxmlformats.org/drawingml/2006/diagram" xmlns:a="http://schemas.openxmlformats.org/drawingml/2006/main" uniqueId="urn:microsoft.com/office/officeart/2018/2/layout/IconLabelList">
   <dgm:title val="Icon Label List"/>
@@ -6456,6 +7656,196 @@
 </dgm:layoutDef>
 </file>
 
+<file path=ppt/diagrams/layout4.xml><?xml version="1.0" encoding="utf-8"?>
+<dgm:layoutDef xmlns:dgm="http://schemas.openxmlformats.org/drawingml/2006/diagram" xmlns:a="http://schemas.openxmlformats.org/drawingml/2006/main" uniqueId="urn:microsoft.com/office/officeart/2018/2/layout/IconLabelList">
+  <dgm:title val="Icon Label List"/>
+  <dgm:desc val="Use to show non-sequential or grouped chunks of information accompanied by a related visuals. Works best with icons or small pictures with short text captions."/>
+  <dgm:catLst>
+    <dgm:cat type="icon" pri="500"/>
+  </dgm:catLst>
+  <dgm:sampData useDef="1">
+    <dgm:dataModel>
+      <dgm:ptLst/>
+      <dgm:bg/>
+      <dgm:whole/>
+    </dgm:dataModel>
+  </dgm:sampData>
+  <dgm:styleData useDef="1">
+    <dgm:dataModel>
+      <dgm:ptLst/>
+      <dgm:bg/>
+      <dgm:whole/>
+    </dgm:dataModel>
+  </dgm:styleData>
+  <dgm:clrData useDef="1">
+    <dgm:dataModel>
+      <dgm:ptLst/>
+      <dgm:bg/>
+      <dgm:whole/>
+    </dgm:dataModel>
+  </dgm:clrData>
+  <dgm:layoutNode name="root">
+    <dgm:varLst>
+      <dgm:dir/>
+      <dgm:resizeHandles val="exact"/>
+    </dgm:varLst>
+    <dgm:choose name="Name0">
+      <dgm:if name="Name1" axis="self" func="var" arg="dir" op="equ" val="norm">
+        <dgm:alg type="snake">
+          <dgm:param type="grDir" val="tL"/>
+          <dgm:param type="flowDir" val="row"/>
+          <dgm:param type="contDir" val="sameDir"/>
+          <dgm:param type="off" val="ctr"/>
+          <dgm:param type="vertAlign" val="mid"/>
+          <dgm:param type="horzAlign" val="ctr"/>
+        </dgm:alg>
+      </dgm:if>
+      <dgm:else name="Name2">
+        <dgm:alg type="snake">
+          <dgm:param type="grDir" val="tR"/>
+          <dgm:param type="flowDir" val="row"/>
+          <dgm:param type="contDir" val="sameDir"/>
+          <dgm:param type="off" val="ctr"/>
+          <dgm:param type="vertAlign" val="mid"/>
+          <dgm:param type="horzAlign" val="ctr"/>
+        </dgm:alg>
+      </dgm:else>
+    </dgm:choose>
+    <dgm:shape xmlns:r="http://schemas.openxmlformats.org/officeDocument/2006/relationships" r:blip="">
+      <dgm:adjLst/>
+    </dgm:shape>
+    <dgm:presOf/>
+    <dgm:choose name="Name3">
+      <dgm:if name="Name4" axis="ch" ptType="node" func="cnt" op="lte" val="2">
+        <dgm:constrLst>
+          <dgm:constr type="h" for="ch" forName="compNode" refType="h" fact="0.4"/>
+          <dgm:constr type="w" for="ch" forName="compNode" val="120"/>
+          <dgm:constr type="w" for="ch" forName="sibTrans" refType="w" refFor="ch" refForName="compNode" fact="0.175"/>
+          <dgm:constr type="sp" refType="w" refFor="ch" refForName="compNode" op="equ" fact="0.25"/>
+          <dgm:constr type="primFontSz" for="des" ptType="node" op="equ" val="50"/>
+          <dgm:constr type="h" for="des" forName="compNode" op="equ"/>
+          <dgm:constr type="h" for="des" forName="textRect" op="equ"/>
+        </dgm:constrLst>
+      </dgm:if>
+      <dgm:if name="Name5" axis="ch" ptType="node" func="cnt" op="lte" val="4">
+        <dgm:constrLst>
+          <dgm:constr type="h" for="ch" forName="compNode" refType="h" fact="0.4"/>
+          <dgm:constr type="w" for="ch" forName="compNode" refType="w"/>
+          <dgm:constr type="w" for="ch" forName="sibTrans" refType="w" refFor="ch" refForName="compNode" fact="0.175"/>
+          <dgm:constr type="sp" refType="w" refFor="ch" refForName="compNode" op="equ" fact="0.25"/>
+          <dgm:constr type="primFontSz" for="des" ptType="node" op="equ" val="36"/>
+          <dgm:constr type="h" for="des" forName="compNode" op="equ"/>
+          <dgm:constr type="h" for="des" forName="textRect" op="equ"/>
+        </dgm:constrLst>
+      </dgm:if>
+      <dgm:else name="Name6">
+        <dgm:constrLst>
+          <dgm:constr type="h" for="ch" forName="compNode" refType="h" fact="0.4"/>
+          <dgm:constr type="w" for="ch" forName="compNode" refType="w"/>
+          <dgm:constr type="w" for="ch" forName="sibTrans" refType="w" refFor="ch" refForName="compNode" fact="0.175"/>
+          <dgm:constr type="sp" refType="w" refFor="ch" refForName="compNode" op="equ" fact="0.25"/>
+          <dgm:constr type="primFontSz" for="des" ptType="node" op="equ" val="24"/>
+          <dgm:constr type="h" for="des" forName="compNode" op="equ"/>
+          <dgm:constr type="h" for="des" forName="textRect" op="equ"/>
+        </dgm:constrLst>
+      </dgm:else>
+    </dgm:choose>
+    <dgm:ruleLst>
+      <dgm:rule type="w" for="ch" forName="compNode" val="50" fact="NaN" max="NaN"/>
+    </dgm:ruleLst>
+    <dgm:forEach name="Name7" axis="ch" ptType="node">
+      <dgm:layoutNode name="compNode">
+        <dgm:alg type="composite"/>
+        <dgm:shape xmlns:r="http://schemas.openxmlformats.org/officeDocument/2006/relationships" r:blip="">
+          <dgm:adjLst/>
+        </dgm:shape>
+        <dgm:presOf axis="self"/>
+        <dgm:constrLst>
+          <dgm:constr type="w" for="ch" forName="iconRect" refType="w" fact="0.45"/>
+          <dgm:constr type="h" for="ch" forName="iconRect" refType="w" refFor="ch" refForName="iconRect"/>
+          <dgm:constr type="ctrX" for="ch" forName="iconRect" refType="w" fact="0.5"/>
+          <dgm:constr type="t" for="ch" forName="iconRect"/>
+          <dgm:constr type="h" for="ch" forName="spaceRect" refType="h" fact="0.15"/>
+          <dgm:constr type="w" for="ch" forName="spaceRect" refType="w"/>
+          <dgm:constr type="l" for="ch" forName="spaceRect"/>
+          <dgm:constr type="t" for="ch" forName="spaceRect" refType="b" refFor="ch" refForName="iconRect"/>
+          <dgm:constr type="h" for="ch" forName="textRect" val="20"/>
+          <dgm:constr type="w" for="ch" forName="textRect" refType="w"/>
+          <dgm:constr type="l" for="ch" forName="textRect"/>
+          <dgm:constr type="t" for="ch" forName="textRect" refType="b" refFor="ch" refForName="spaceRect"/>
+        </dgm:constrLst>
+        <dgm:ruleLst>
+          <dgm:rule type="h" val="INF" fact="NaN" max="NaN"/>
+        </dgm:ruleLst>
+        <dgm:layoutNode name="iconRect" styleLbl="node1">
+          <dgm:alg type="sp"/>
+          <dgm:shape xmlns:r="http://schemas.openxmlformats.org/officeDocument/2006/relationships" type="rect" r:blip="" blipPhldr="1">
+            <dgm:adjLst/>
+          </dgm:shape>
+          <dgm:presOf/>
+          <dgm:constrLst/>
+          <dgm:ruleLst/>
+        </dgm:layoutNode>
+        <dgm:layoutNode name="spaceRect">
+          <dgm:alg type="sp"/>
+          <dgm:shape xmlns:r="http://schemas.openxmlformats.org/officeDocument/2006/relationships" r:blip="">
+            <dgm:adjLst/>
+          </dgm:shape>
+          <dgm:presOf/>
+          <dgm:constrLst/>
+          <dgm:ruleLst/>
+        </dgm:layoutNode>
+        <dgm:layoutNode name="textRect" styleLbl="revTx">
+          <dgm:varLst>
+            <dgm:chMax val="1"/>
+            <dgm:chPref val="1"/>
+          </dgm:varLst>
+          <dgm:alg type="tx">
+            <dgm:param type="txAnchorVert" val="t"/>
+          </dgm:alg>
+          <dgm:shape xmlns:r="http://schemas.openxmlformats.org/officeDocument/2006/relationships" type="rect" r:blip="">
+            <dgm:adjLst/>
+          </dgm:shape>
+          <dgm:presOf axis="self" ptType="node"/>
+          <dgm:constrLst>
+            <dgm:constr type="lMarg"/>
+            <dgm:constr type="rMarg"/>
+            <dgm:constr type="tMarg"/>
+            <dgm:constr type="bMarg"/>
+          </dgm:constrLst>
+          <dgm:ruleLst>
+            <dgm:rule type="primFontSz" val="11" fact="NaN" max="NaN"/>
+            <dgm:rule type="h" val="INF" fact="NaN" max="NaN"/>
+          </dgm:ruleLst>
+        </dgm:layoutNode>
+      </dgm:layoutNode>
+      <dgm:forEach name="Name8" axis="followSib" ptType="sibTrans" cnt="1">
+        <dgm:layoutNode name="sibTrans">
+          <dgm:alg type="sp"/>
+          <dgm:shape xmlns:r="http://schemas.openxmlformats.org/officeDocument/2006/relationships" r:blip="">
+            <dgm:adjLst/>
+          </dgm:shape>
+          <dgm:presOf axis="self"/>
+          <dgm:constrLst/>
+          <dgm:ruleLst/>
+        </dgm:layoutNode>
+      </dgm:forEach>
+    </dgm:forEach>
+  </dgm:layoutNode>
+  <dgm:extLst>
+    <a:ext uri="{68A01E43-0DF5-4B5B-8FA6-DAF915123BFB}">
+      <dgm1612:lstStyle xmlns:dgm1612="http://schemas.microsoft.com/office/drawing/2016/12/diagram">
+        <a:lvl1pPr>
+          <a:lnSpc>
+            <a:spcPct val="100000"/>
+          </a:lnSpc>
+        </a:lvl1pPr>
+      </dgm1612:lstStyle>
+    </a:ext>
+  </dgm:extLst>
+</dgm:layoutDef>
+</file>
+
 <file path=ppt/diagrams/quickStyle1.xml><?xml version="1.0" encoding="utf-8"?>
 <dgm:styleDef xmlns:dgm="http://schemas.openxmlformats.org/drawingml/2006/diagram" xmlns:a="http://schemas.openxmlformats.org/drawingml/2006/main" uniqueId="urn:microsoft.com/office/officeart/2005/8/quickstyle/simple1">
   <dgm:title val=""/>
@@ -8525,6 +9915,1040 @@
 </file>
 
 <file path=ppt/diagrams/quickStyle3.xml><?xml version="1.0" encoding="utf-8"?>
+<dgm:styleDef xmlns:dgm="http://schemas.openxmlformats.org/drawingml/2006/diagram" xmlns:a="http://schemas.openxmlformats.org/drawingml/2006/main" uniqueId="urn:microsoft.com/office/officeart/2005/8/quickstyle/simple1">
+  <dgm:title val=""/>
+  <dgm:desc val=""/>
+  <dgm:catLst>
+    <dgm:cat type="simple" pri="10100"/>
+  </dgm:catLst>
+  <dgm:scene3d>
+    <a:camera prst="orthographicFront"/>
+    <a:lightRig rig="threePt" dir="t"/>
+  </dgm:scene3d>
+  <dgm:styleLbl name="node0">
+    <dgm:scene3d>
+      <a:camera prst="orthographicFront"/>
+      <a:lightRig rig="threePt" dir="t"/>
+    </dgm:scene3d>
+    <dgm:sp3d/>
+    <dgm:txPr/>
+    <dgm:style>
+      <a:lnRef idx="2">
+        <a:scrgbClr r="0" g="0" b="0"/>
+      </a:lnRef>
+      <a:fillRef idx="1">
+        <a:scrgbClr r="0" g="0" b="0"/>
+      </a:fillRef>
+      <a:effectRef idx="0">
+        <a:scrgbClr r="0" g="0" b="0"/>
+      </a:effectRef>
+      <a:fontRef idx="minor">
+        <a:schemeClr val="lt1"/>
+      </a:fontRef>
+    </dgm:style>
+  </dgm:styleLbl>
+  <dgm:styleLbl name="lnNode1">
+    <dgm:scene3d>
+      <a:camera prst="orthographicFront"/>
+      <a:lightRig rig="threePt" dir="t"/>
+    </dgm:scene3d>
+    <dgm:sp3d/>
+    <dgm:txPr/>
+    <dgm:style>
+      <a:lnRef idx="2">
+        <a:scrgbClr r="0" g="0" b="0"/>
+      </a:lnRef>
+      <a:fillRef idx="1">
+        <a:scrgbClr r="0" g="0" b="0"/>
+      </a:fillRef>
+      <a:effectRef idx="0">
+        <a:scrgbClr r="0" g="0" b="0"/>
+      </a:effectRef>
+      <a:fontRef idx="minor">
+        <a:schemeClr val="lt1"/>
+      </a:fontRef>
+    </dgm:style>
+  </dgm:styleLbl>
+  <dgm:styleLbl name="vennNode1">
+    <dgm:scene3d>
+      <a:camera prst="orthographicFront"/>
+      <a:lightRig rig="threePt" dir="t"/>
+    </dgm:scene3d>
+    <dgm:sp3d/>
+    <dgm:txPr/>
+    <dgm:style>
+      <a:lnRef idx="2">
+        <a:scrgbClr r="0" g="0" b="0"/>
+      </a:lnRef>
+      <a:fillRef idx="1">
+        <a:scrgbClr r="0" g="0" b="0"/>
+      </a:fillRef>
+      <a:effectRef idx="0">
+        <a:scrgbClr r="0" g="0" b="0"/>
+      </a:effectRef>
+      <a:fontRef idx="minor">
+        <a:schemeClr val="tx1"/>
+      </a:fontRef>
+    </dgm:style>
+  </dgm:styleLbl>
+  <dgm:styleLbl name="alignNode1">
+    <dgm:scene3d>
+      <a:camera prst="orthographicFront"/>
+      <a:lightRig rig="threePt" dir="t"/>
+    </dgm:scene3d>
+    <dgm:sp3d/>
+    <dgm:txPr/>
+    <dgm:style>
+      <a:lnRef idx="2">
+        <a:scrgbClr r="0" g="0" b="0"/>
+      </a:lnRef>
+      <a:fillRef idx="1">
+        <a:scrgbClr r="0" g="0" b="0"/>
+      </a:fillRef>
+      <a:effectRef idx="0">
+        <a:scrgbClr r="0" g="0" b="0"/>
+      </a:effectRef>
+      <a:fontRef idx="minor">
+        <a:schemeClr val="lt1"/>
+      </a:fontRef>
+    </dgm:style>
+  </dgm:styleLbl>
+  <dgm:styleLbl name="node1">
+    <dgm:scene3d>
+      <a:camera prst="orthographicFront"/>
+      <a:lightRig rig="threePt" dir="t"/>
+    </dgm:scene3d>
+    <dgm:sp3d/>
+    <dgm:txPr/>
+    <dgm:style>
+      <a:lnRef idx="2">
+        <a:scrgbClr r="0" g="0" b="0"/>
+      </a:lnRef>
+      <a:fillRef idx="1">
+        <a:scrgbClr r="0" g="0" b="0"/>
+      </a:fillRef>
+      <a:effectRef idx="0">
+        <a:scrgbClr r="0" g="0" b="0"/>
+      </a:effectRef>
+      <a:fontRef idx="minor">
+        <a:schemeClr val="lt1"/>
+      </a:fontRef>
+    </dgm:style>
+  </dgm:styleLbl>
+  <dgm:styleLbl name="node2">
+    <dgm:scene3d>
+      <a:camera prst="orthographicFront"/>
+      <a:lightRig rig="threePt" dir="t"/>
+    </dgm:scene3d>
+    <dgm:sp3d/>
+    <dgm:txPr/>
+    <dgm:style>
+      <a:lnRef idx="2">
+        <a:scrgbClr r="0" g="0" b="0"/>
+      </a:lnRef>
+      <a:fillRef idx="1">
+        <a:scrgbClr r="0" g="0" b="0"/>
+      </a:fillRef>
+      <a:effectRef idx="0">
+        <a:scrgbClr r="0" g="0" b="0"/>
+      </a:effectRef>
+      <a:fontRef idx="minor">
+        <a:schemeClr val="lt1"/>
+      </a:fontRef>
+    </dgm:style>
+  </dgm:styleLbl>
+  <dgm:styleLbl name="node3">
+    <dgm:scene3d>
+      <a:camera prst="orthographicFront"/>
+      <a:lightRig rig="threePt" dir="t"/>
+    </dgm:scene3d>
+    <dgm:sp3d/>
+    <dgm:txPr/>
+    <dgm:style>
+      <a:lnRef idx="2">
+        <a:scrgbClr r="0" g="0" b="0"/>
+      </a:lnRef>
+      <a:fillRef idx="1">
+        <a:scrgbClr r="0" g="0" b="0"/>
+      </a:fillRef>
+      <a:effectRef idx="0">
+        <a:scrgbClr r="0" g="0" b="0"/>
+      </a:effectRef>
+      <a:fontRef idx="minor">
+        <a:schemeClr val="lt1"/>
+      </a:fontRef>
+    </dgm:style>
+  </dgm:styleLbl>
+  <dgm:styleLbl name="node4">
+    <dgm:scene3d>
+      <a:camera prst="orthographicFront"/>
+      <a:lightRig rig="threePt" dir="t"/>
+    </dgm:scene3d>
+    <dgm:sp3d/>
+    <dgm:txPr/>
+    <dgm:style>
+      <a:lnRef idx="2">
+        <a:scrgbClr r="0" g="0" b="0"/>
+      </a:lnRef>
+      <a:fillRef idx="1">
+        <a:scrgbClr r="0" g="0" b="0"/>
+      </a:fillRef>
+      <a:effectRef idx="0">
+        <a:scrgbClr r="0" g="0" b="0"/>
+      </a:effectRef>
+      <a:fontRef idx="minor">
+        <a:schemeClr val="lt1"/>
+      </a:fontRef>
+    </dgm:style>
+  </dgm:styleLbl>
+  <dgm:styleLbl name="fgImgPlace1">
+    <dgm:scene3d>
+      <a:camera prst="orthographicFront"/>
+      <a:lightRig rig="threePt" dir="t"/>
+    </dgm:scene3d>
+    <dgm:sp3d/>
+    <dgm:txPr/>
+    <dgm:style>
+      <a:lnRef idx="2">
+        <a:scrgbClr r="0" g="0" b="0"/>
+      </a:lnRef>
+      <a:fillRef idx="1">
+        <a:scrgbClr r="0" g="0" b="0"/>
+      </a:fillRef>
+      <a:effectRef idx="0">
+        <a:scrgbClr r="0" g="0" b="0"/>
+      </a:effectRef>
+      <a:fontRef idx="minor"/>
+    </dgm:style>
+  </dgm:styleLbl>
+  <dgm:styleLbl name="alignImgPlace1">
+    <dgm:scene3d>
+      <a:camera prst="orthographicFront"/>
+      <a:lightRig rig="threePt" dir="t"/>
+    </dgm:scene3d>
+    <dgm:sp3d/>
+    <dgm:txPr/>
+    <dgm:style>
+      <a:lnRef idx="2">
+        <a:scrgbClr r="0" g="0" b="0"/>
+      </a:lnRef>
+      <a:fillRef idx="1">
+        <a:scrgbClr r="0" g="0" b="0"/>
+      </a:fillRef>
+      <a:effectRef idx="0">
+        <a:scrgbClr r="0" g="0" b="0"/>
+      </a:effectRef>
+      <a:fontRef idx="minor"/>
+    </dgm:style>
+  </dgm:styleLbl>
+  <dgm:styleLbl name="bgImgPlace1">
+    <dgm:scene3d>
+      <a:camera prst="orthographicFront"/>
+      <a:lightRig rig="threePt" dir="t"/>
+    </dgm:scene3d>
+    <dgm:sp3d/>
+    <dgm:txPr/>
+    <dgm:style>
+      <a:lnRef idx="2">
+        <a:scrgbClr r="0" g="0" b="0"/>
+      </a:lnRef>
+      <a:fillRef idx="1">
+        <a:scrgbClr r="0" g="0" b="0"/>
+      </a:fillRef>
+      <a:effectRef idx="0">
+        <a:scrgbClr r="0" g="0" b="0"/>
+      </a:effectRef>
+      <a:fontRef idx="minor"/>
+    </dgm:style>
+  </dgm:styleLbl>
+  <dgm:styleLbl name="sibTrans2D1">
+    <dgm:scene3d>
+      <a:camera prst="orthographicFront"/>
+      <a:lightRig rig="threePt" dir="t"/>
+    </dgm:scene3d>
+    <dgm:sp3d/>
+    <dgm:txPr/>
+    <dgm:style>
+      <a:lnRef idx="0">
+        <a:scrgbClr r="0" g="0" b="0"/>
+      </a:lnRef>
+      <a:fillRef idx="1">
+        <a:scrgbClr r="0" g="0" b="0"/>
+      </a:fillRef>
+      <a:effectRef idx="0">
+        <a:scrgbClr r="0" g="0" b="0"/>
+      </a:effectRef>
+      <a:fontRef idx="minor">
+        <a:schemeClr val="lt1"/>
+      </a:fontRef>
+    </dgm:style>
+  </dgm:styleLbl>
+  <dgm:styleLbl name="fgSibTrans2D1">
+    <dgm:scene3d>
+      <a:camera prst="orthographicFront"/>
+      <a:lightRig rig="threePt" dir="t"/>
+    </dgm:scene3d>
+    <dgm:sp3d/>
+    <dgm:txPr/>
+    <dgm:style>
+      <a:lnRef idx="0">
+        <a:scrgbClr r="0" g="0" b="0"/>
+      </a:lnRef>
+      <a:fillRef idx="1">
+        <a:scrgbClr r="0" g="0" b="0"/>
+      </a:fillRef>
+      <a:effectRef idx="0">
+        <a:scrgbClr r="0" g="0" b="0"/>
+      </a:effectRef>
+      <a:fontRef idx="minor">
+        <a:schemeClr val="lt1"/>
+      </a:fontRef>
+    </dgm:style>
+  </dgm:styleLbl>
+  <dgm:styleLbl name="bgSibTrans2D1">
+    <dgm:scene3d>
+      <a:camera prst="orthographicFront"/>
+      <a:lightRig rig="threePt" dir="t"/>
+    </dgm:scene3d>
+    <dgm:sp3d/>
+    <dgm:txPr/>
+    <dgm:style>
+      <a:lnRef idx="0">
+        <a:scrgbClr r="0" g="0" b="0"/>
+      </a:lnRef>
+      <a:fillRef idx="1">
+        <a:scrgbClr r="0" g="0" b="0"/>
+      </a:fillRef>
+      <a:effectRef idx="0">
+        <a:scrgbClr r="0" g="0" b="0"/>
+      </a:effectRef>
+      <a:fontRef idx="minor">
+        <a:schemeClr val="lt1"/>
+      </a:fontRef>
+    </dgm:style>
+  </dgm:styleLbl>
+  <dgm:styleLbl name="sibTrans1D1">
+    <dgm:scene3d>
+      <a:camera prst="orthographicFront"/>
+      <a:lightRig rig="threePt" dir="t"/>
+    </dgm:scene3d>
+    <dgm:sp3d/>
+    <dgm:txPr/>
+    <dgm:style>
+      <a:lnRef idx="1">
+        <a:scrgbClr r="0" g="0" b="0"/>
+      </a:lnRef>
+      <a:fillRef idx="0">
+        <a:scrgbClr r="0" g="0" b="0"/>
+      </a:fillRef>
+      <a:effectRef idx="0">
+        <a:scrgbClr r="0" g="0" b="0"/>
+      </a:effectRef>
+      <a:fontRef idx="minor"/>
+    </dgm:style>
+  </dgm:styleLbl>
+  <dgm:styleLbl name="callout">
+    <dgm:scene3d>
+      <a:camera prst="orthographicFront"/>
+      <a:lightRig rig="threePt" dir="t"/>
+    </dgm:scene3d>
+    <dgm:sp3d/>
+    <dgm:txPr/>
+    <dgm:style>
+      <a:lnRef idx="2">
+        <a:scrgbClr r="0" g="0" b="0"/>
+      </a:lnRef>
+      <a:fillRef idx="1">
+        <a:scrgbClr r="0" g="0" b="0"/>
+      </a:fillRef>
+      <a:effectRef idx="0">
+        <a:scrgbClr r="0" g="0" b="0"/>
+      </a:effectRef>
+      <a:fontRef idx="minor"/>
+    </dgm:style>
+  </dgm:styleLbl>
+  <dgm:styleLbl name="asst0">
+    <dgm:scene3d>
+      <a:camera prst="orthographicFront"/>
+      <a:lightRig rig="threePt" dir="t"/>
+    </dgm:scene3d>
+    <dgm:sp3d/>
+    <dgm:txPr/>
+    <dgm:style>
+      <a:lnRef idx="2">
+        <a:scrgbClr r="0" g="0" b="0"/>
+      </a:lnRef>
+      <a:fillRef idx="1">
+        <a:scrgbClr r="0" g="0" b="0"/>
+      </a:fillRef>
+      <a:effectRef idx="0">
+        <a:scrgbClr r="0" g="0" b="0"/>
+      </a:effectRef>
+      <a:fontRef idx="minor">
+        <a:schemeClr val="lt1"/>
+      </a:fontRef>
+    </dgm:style>
+  </dgm:styleLbl>
+  <dgm:styleLbl name="asst1">
+    <dgm:scene3d>
+      <a:camera prst="orthographicFront"/>
+      <a:lightRig rig="threePt" dir="t"/>
+    </dgm:scene3d>
+    <dgm:sp3d/>
+    <dgm:txPr/>
+    <dgm:style>
+      <a:lnRef idx="2">
+        <a:scrgbClr r="0" g="0" b="0"/>
+      </a:lnRef>
+      <a:fillRef idx="1">
+        <a:scrgbClr r="0" g="0" b="0"/>
+      </a:fillRef>
+      <a:effectRef idx="0">
+        <a:scrgbClr r="0" g="0" b="0"/>
+      </a:effectRef>
+      <a:fontRef idx="minor">
+        <a:schemeClr val="lt1"/>
+      </a:fontRef>
+    </dgm:style>
+  </dgm:styleLbl>
+  <dgm:styleLbl name="asst2">
+    <dgm:scene3d>
+      <a:camera prst="orthographicFront"/>
+      <a:lightRig rig="threePt" dir="t"/>
+    </dgm:scene3d>
+    <dgm:sp3d/>
+    <dgm:txPr/>
+    <dgm:style>
+      <a:lnRef idx="2">
+        <a:scrgbClr r="0" g="0" b="0"/>
+      </a:lnRef>
+      <a:fillRef idx="1">
+        <a:scrgbClr r="0" g="0" b="0"/>
+      </a:fillRef>
+      <a:effectRef idx="0">
+        <a:scrgbClr r="0" g="0" b="0"/>
+      </a:effectRef>
+      <a:fontRef idx="minor">
+        <a:schemeClr val="lt1"/>
+      </a:fontRef>
+    </dgm:style>
+  </dgm:styleLbl>
+  <dgm:styleLbl name="asst3">
+    <dgm:scene3d>
+      <a:camera prst="orthographicFront"/>
+      <a:lightRig rig="threePt" dir="t"/>
+    </dgm:scene3d>
+    <dgm:sp3d/>
+    <dgm:txPr/>
+    <dgm:style>
+      <a:lnRef idx="2">
+        <a:scrgbClr r="0" g="0" b="0"/>
+      </a:lnRef>
+      <a:fillRef idx="1">
+        <a:scrgbClr r="0" g="0" b="0"/>
+      </a:fillRef>
+      <a:effectRef idx="0">
+        <a:scrgbClr r="0" g="0" b="0"/>
+      </a:effectRef>
+      <a:fontRef idx="minor">
+        <a:schemeClr val="lt1"/>
+      </a:fontRef>
+    </dgm:style>
+  </dgm:styleLbl>
+  <dgm:styleLbl name="asst4">
+    <dgm:scene3d>
+      <a:camera prst="orthographicFront"/>
+      <a:lightRig rig="threePt" dir="t"/>
+    </dgm:scene3d>
+    <dgm:sp3d/>
+    <dgm:txPr/>
+    <dgm:style>
+      <a:lnRef idx="2">
+        <a:scrgbClr r="0" g="0" b="0"/>
+      </a:lnRef>
+      <a:fillRef idx="1">
+        <a:scrgbClr r="0" g="0" b="0"/>
+      </a:fillRef>
+      <a:effectRef idx="0">
+        <a:scrgbClr r="0" g="0" b="0"/>
+      </a:effectRef>
+      <a:fontRef idx="minor">
+        <a:schemeClr val="lt1"/>
+      </a:fontRef>
+    </dgm:style>
+  </dgm:styleLbl>
+  <dgm:styleLbl name="parChTrans2D1">
+    <dgm:scene3d>
+      <a:camera prst="orthographicFront"/>
+      <a:lightRig rig="threePt" dir="t"/>
+    </dgm:scene3d>
+    <dgm:sp3d/>
+    <dgm:txPr/>
+    <dgm:style>
+      <a:lnRef idx="2">
+        <a:scrgbClr r="0" g="0" b="0"/>
+      </a:lnRef>
+      <a:fillRef idx="1">
+        <a:scrgbClr r="0" g="0" b="0"/>
+      </a:fillRef>
+      <a:effectRef idx="0">
+        <a:scrgbClr r="0" g="0" b="0"/>
+      </a:effectRef>
+      <a:fontRef idx="minor">
+        <a:schemeClr val="lt1"/>
+      </a:fontRef>
+    </dgm:style>
+  </dgm:styleLbl>
+  <dgm:styleLbl name="parChTrans2D2">
+    <dgm:scene3d>
+      <a:camera prst="orthographicFront"/>
+      <a:lightRig rig="threePt" dir="t"/>
+    </dgm:scene3d>
+    <dgm:sp3d/>
+    <dgm:txPr/>
+    <dgm:style>
+      <a:lnRef idx="2">
+        <a:scrgbClr r="0" g="0" b="0"/>
+      </a:lnRef>
+      <a:fillRef idx="1">
+        <a:scrgbClr r="0" g="0" b="0"/>
+      </a:fillRef>
+      <a:effectRef idx="0">
+        <a:scrgbClr r="0" g="0" b="0"/>
+      </a:effectRef>
+      <a:fontRef idx="minor">
+        <a:schemeClr val="lt1"/>
+      </a:fontRef>
+    </dgm:style>
+  </dgm:styleLbl>
+  <dgm:styleLbl name="parChTrans2D3">
+    <dgm:scene3d>
+      <a:camera prst="orthographicFront"/>
+      <a:lightRig rig="threePt" dir="t"/>
+    </dgm:scene3d>
+    <dgm:sp3d/>
+    <dgm:txPr/>
+    <dgm:style>
+      <a:lnRef idx="2">
+        <a:scrgbClr r="0" g="0" b="0"/>
+      </a:lnRef>
+      <a:fillRef idx="1">
+        <a:scrgbClr r="0" g="0" b="0"/>
+      </a:fillRef>
+      <a:effectRef idx="0">
+        <a:scrgbClr r="0" g="0" b="0"/>
+      </a:effectRef>
+      <a:fontRef idx="minor">
+        <a:schemeClr val="lt1"/>
+      </a:fontRef>
+    </dgm:style>
+  </dgm:styleLbl>
+  <dgm:styleLbl name="parChTrans2D4">
+    <dgm:scene3d>
+      <a:camera prst="orthographicFront"/>
+      <a:lightRig rig="threePt" dir="t"/>
+    </dgm:scene3d>
+    <dgm:sp3d/>
+    <dgm:txPr/>
+    <dgm:style>
+      <a:lnRef idx="2">
+        <a:scrgbClr r="0" g="0" b="0"/>
+      </a:lnRef>
+      <a:fillRef idx="1">
+        <a:scrgbClr r="0" g="0" b="0"/>
+      </a:fillRef>
+      <a:effectRef idx="0">
+        <a:scrgbClr r="0" g="0" b="0"/>
+      </a:effectRef>
+      <a:fontRef idx="minor">
+        <a:schemeClr val="lt1"/>
+      </a:fontRef>
+    </dgm:style>
+  </dgm:styleLbl>
+  <dgm:styleLbl name="parChTrans1D1">
+    <dgm:scene3d>
+      <a:camera prst="orthographicFront"/>
+      <a:lightRig rig="threePt" dir="t"/>
+    </dgm:scene3d>
+    <dgm:sp3d/>
+    <dgm:txPr/>
+    <dgm:style>
+      <a:lnRef idx="2">
+        <a:scrgbClr r="0" g="0" b="0"/>
+      </a:lnRef>
+      <a:fillRef idx="0">
+        <a:scrgbClr r="0" g="0" b="0"/>
+      </a:fillRef>
+      <a:effectRef idx="0">
+        <a:scrgbClr r="0" g="0" b="0"/>
+      </a:effectRef>
+      <a:fontRef idx="minor"/>
+    </dgm:style>
+  </dgm:styleLbl>
+  <dgm:styleLbl name="parChTrans1D2">
+    <dgm:scene3d>
+      <a:camera prst="orthographicFront"/>
+      <a:lightRig rig="threePt" dir="t"/>
+    </dgm:scene3d>
+    <dgm:sp3d/>
+    <dgm:txPr/>
+    <dgm:style>
+      <a:lnRef idx="2">
+        <a:scrgbClr r="0" g="0" b="0"/>
+      </a:lnRef>
+      <a:fillRef idx="0">
+        <a:scrgbClr r="0" g="0" b="0"/>
+      </a:fillRef>
+      <a:effectRef idx="0">
+        <a:scrgbClr r="0" g="0" b="0"/>
+      </a:effectRef>
+      <a:fontRef idx="minor"/>
+    </dgm:style>
+  </dgm:styleLbl>
+  <dgm:styleLbl name="parChTrans1D3">
+    <dgm:scene3d>
+      <a:camera prst="orthographicFront"/>
+      <a:lightRig rig="threePt" dir="t"/>
+    </dgm:scene3d>
+    <dgm:sp3d/>
+    <dgm:txPr/>
+    <dgm:style>
+      <a:lnRef idx="2">
+        <a:scrgbClr r="0" g="0" b="0"/>
+      </a:lnRef>
+      <a:fillRef idx="0">
+        <a:scrgbClr r="0" g="0" b="0"/>
+      </a:fillRef>
+      <a:effectRef idx="0">
+        <a:scrgbClr r="0" g="0" b="0"/>
+      </a:effectRef>
+      <a:fontRef idx="minor"/>
+    </dgm:style>
+  </dgm:styleLbl>
+  <dgm:styleLbl name="parChTrans1D4">
+    <dgm:scene3d>
+      <a:camera prst="orthographicFront"/>
+      <a:lightRig rig="threePt" dir="t"/>
+    </dgm:scene3d>
+    <dgm:sp3d/>
+    <dgm:txPr/>
+    <dgm:style>
+      <a:lnRef idx="2">
+        <a:scrgbClr r="0" g="0" b="0"/>
+      </a:lnRef>
+      <a:fillRef idx="0">
+        <a:scrgbClr r="0" g="0" b="0"/>
+      </a:fillRef>
+      <a:effectRef idx="0">
+        <a:scrgbClr r="0" g="0" b="0"/>
+      </a:effectRef>
+      <a:fontRef idx="minor"/>
+    </dgm:style>
+  </dgm:styleLbl>
+  <dgm:styleLbl name="fgAcc1">
+    <dgm:scene3d>
+      <a:camera prst="orthographicFront"/>
+      <a:lightRig rig="threePt" dir="t"/>
+    </dgm:scene3d>
+    <dgm:sp3d/>
+    <dgm:txPr/>
+    <dgm:style>
+      <a:lnRef idx="2">
+        <a:scrgbClr r="0" g="0" b="0"/>
+      </a:lnRef>
+      <a:fillRef idx="1">
+        <a:scrgbClr r="0" g="0" b="0"/>
+      </a:fillRef>
+      <a:effectRef idx="0">
+        <a:scrgbClr r="0" g="0" b="0"/>
+      </a:effectRef>
+      <a:fontRef idx="minor"/>
+    </dgm:style>
+  </dgm:styleLbl>
+  <dgm:styleLbl name="conFgAcc1">
+    <dgm:scene3d>
+      <a:camera prst="orthographicFront"/>
+      <a:lightRig rig="threePt" dir="t"/>
+    </dgm:scene3d>
+    <dgm:sp3d/>
+    <dgm:txPr/>
+    <dgm:style>
+      <a:lnRef idx="2">
+        <a:scrgbClr r="0" g="0" b="0"/>
+      </a:lnRef>
+      <a:fillRef idx="1">
+        <a:scrgbClr r="0" g="0" b="0"/>
+      </a:fillRef>
+      <a:effectRef idx="0">
+        <a:scrgbClr r="0" g="0" b="0"/>
+      </a:effectRef>
+      <a:fontRef idx="minor"/>
+    </dgm:style>
+  </dgm:styleLbl>
+  <dgm:styleLbl name="alignAcc1">
+    <dgm:scene3d>
+      <a:camera prst="orthographicFront"/>
+      <a:lightRig rig="threePt" dir="t"/>
+    </dgm:scene3d>
+    <dgm:sp3d/>
+    <dgm:txPr/>
+    <dgm:style>
+      <a:lnRef idx="2">
+        <a:scrgbClr r="0" g="0" b="0"/>
+      </a:lnRef>
+      <a:fillRef idx="1">
+        <a:scrgbClr r="0" g="0" b="0"/>
+      </a:fillRef>
+      <a:effectRef idx="0">
+        <a:scrgbClr r="0" g="0" b="0"/>
+      </a:effectRef>
+      <a:fontRef idx="minor"/>
+    </dgm:style>
+  </dgm:styleLbl>
+  <dgm:styleLbl name="trAlignAcc1">
+    <dgm:scene3d>
+      <a:camera prst="orthographicFront"/>
+      <a:lightRig rig="threePt" dir="t"/>
+    </dgm:scene3d>
+    <dgm:sp3d/>
+    <dgm:txPr/>
+    <dgm:style>
+      <a:lnRef idx="1">
+        <a:scrgbClr r="0" g="0" b="0"/>
+      </a:lnRef>
+      <a:fillRef idx="1">
+        <a:scrgbClr r="0" g="0" b="0"/>
+      </a:fillRef>
+      <a:effectRef idx="0">
+        <a:scrgbClr r="0" g="0" b="0"/>
+      </a:effectRef>
+      <a:fontRef idx="minor"/>
+    </dgm:style>
+  </dgm:styleLbl>
+  <dgm:styleLbl name="bgAcc1">
+    <dgm:scene3d>
+      <a:camera prst="orthographicFront"/>
+      <a:lightRig rig="threePt" dir="t"/>
+    </dgm:scene3d>
+    <dgm:sp3d/>
+    <dgm:txPr/>
+    <dgm:style>
+      <a:lnRef idx="2">
+        <a:scrgbClr r="0" g="0" b="0"/>
+      </a:lnRef>
+      <a:fillRef idx="1">
+        <a:scrgbClr r="0" g="0" b="0"/>
+      </a:fillRef>
+      <a:effectRef idx="0">
+        <a:scrgbClr r="0" g="0" b="0"/>
+      </a:effectRef>
+      <a:fontRef idx="minor"/>
+    </dgm:style>
+  </dgm:styleLbl>
+  <dgm:styleLbl name="solidFgAcc1">
+    <dgm:scene3d>
+      <a:camera prst="orthographicFront"/>
+      <a:lightRig rig="threePt" dir="t"/>
+    </dgm:scene3d>
+    <dgm:sp3d/>
+    <dgm:txPr/>
+    <dgm:style>
+      <a:lnRef idx="2">
+        <a:scrgbClr r="0" g="0" b="0"/>
+      </a:lnRef>
+      <a:fillRef idx="1">
+        <a:scrgbClr r="0" g="0" b="0"/>
+      </a:fillRef>
+      <a:effectRef idx="0">
+        <a:scrgbClr r="0" g="0" b="0"/>
+      </a:effectRef>
+      <a:fontRef idx="minor"/>
+    </dgm:style>
+  </dgm:styleLbl>
+  <dgm:styleLbl name="solidAlignAcc1">
+    <dgm:scene3d>
+      <a:camera prst="orthographicFront"/>
+      <a:lightRig rig="threePt" dir="t"/>
+    </dgm:scene3d>
+    <dgm:sp3d/>
+    <dgm:txPr/>
+    <dgm:style>
+      <a:lnRef idx="2">
+        <a:scrgbClr r="0" g="0" b="0"/>
+      </a:lnRef>
+      <a:fillRef idx="1">
+        <a:scrgbClr r="0" g="0" b="0"/>
+      </a:fillRef>
+      <a:effectRef idx="0">
+        <a:scrgbClr r="0" g="0" b="0"/>
+      </a:effectRef>
+      <a:fontRef idx="minor"/>
+    </dgm:style>
+  </dgm:styleLbl>
+  <dgm:styleLbl name="solidBgAcc1">
+    <dgm:scene3d>
+      <a:camera prst="orthographicFront"/>
+      <a:lightRig rig="threePt" dir="t"/>
+    </dgm:scene3d>
+    <dgm:sp3d/>
+    <dgm:txPr/>
+    <dgm:style>
+      <a:lnRef idx="2">
+        <a:scrgbClr r="0" g="0" b="0"/>
+      </a:lnRef>
+      <a:fillRef idx="1">
+        <a:scrgbClr r="0" g="0" b="0"/>
+      </a:fillRef>
+      <a:effectRef idx="0">
+        <a:scrgbClr r="0" g="0" b="0"/>
+      </a:effectRef>
+      <a:fontRef idx="minor"/>
+    </dgm:style>
+  </dgm:styleLbl>
+  <dgm:styleLbl name="fgAccFollowNode1">
+    <dgm:scene3d>
+      <a:camera prst="orthographicFront"/>
+      <a:lightRig rig="threePt" dir="t"/>
+    </dgm:scene3d>
+    <dgm:sp3d/>
+    <dgm:txPr/>
+    <dgm:style>
+      <a:lnRef idx="2">
+        <a:scrgbClr r="0" g="0" b="0"/>
+      </a:lnRef>
+      <a:fillRef idx="1">
+        <a:scrgbClr r="0" g="0" b="0"/>
+      </a:fillRef>
+      <a:effectRef idx="0">
+        <a:scrgbClr r="0" g="0" b="0"/>
+      </a:effectRef>
+      <a:fontRef idx="minor"/>
+    </dgm:style>
+  </dgm:styleLbl>
+  <dgm:styleLbl name="alignAccFollowNode1">
+    <dgm:scene3d>
+      <a:camera prst="orthographicFront"/>
+      <a:lightRig rig="threePt" dir="t"/>
+    </dgm:scene3d>
+    <dgm:sp3d/>
+    <dgm:txPr/>
+    <dgm:style>
+      <a:lnRef idx="2">
+        <a:scrgbClr r="0" g="0" b="0"/>
+      </a:lnRef>
+      <a:fillRef idx="1">
+        <a:scrgbClr r="0" g="0" b="0"/>
+      </a:fillRef>
+      <a:effectRef idx="0">
+        <a:scrgbClr r="0" g="0" b="0"/>
+      </a:effectRef>
+      <a:fontRef idx="minor"/>
+    </dgm:style>
+  </dgm:styleLbl>
+  <dgm:styleLbl name="bgAccFollowNode1">
+    <dgm:scene3d>
+      <a:camera prst="orthographicFront"/>
+      <a:lightRig rig="threePt" dir="t"/>
+    </dgm:scene3d>
+    <dgm:sp3d/>
+    <dgm:txPr/>
+    <dgm:style>
+      <a:lnRef idx="2">
+        <a:scrgbClr r="0" g="0" b="0"/>
+      </a:lnRef>
+      <a:fillRef idx="1">
+        <a:scrgbClr r="0" g="0" b="0"/>
+      </a:fillRef>
+      <a:effectRef idx="0">
+        <a:scrgbClr r="0" g="0" b="0"/>
+      </a:effectRef>
+      <a:fontRef idx="minor"/>
+    </dgm:style>
+  </dgm:styleLbl>
+  <dgm:styleLbl name="fgAcc0">
+    <dgm:scene3d>
+      <a:camera prst="orthographicFront"/>
+      <a:lightRig rig="threePt" dir="t"/>
+    </dgm:scene3d>
+    <dgm:sp3d/>
+    <dgm:txPr/>
+    <dgm:style>
+      <a:lnRef idx="2">
+        <a:scrgbClr r="0" g="0" b="0"/>
+      </a:lnRef>
+      <a:fillRef idx="1">
+        <a:scrgbClr r="0" g="0" b="0"/>
+      </a:fillRef>
+      <a:effectRef idx="0">
+        <a:scrgbClr r="0" g="0" b="0"/>
+      </a:effectRef>
+      <a:fontRef idx="minor"/>
+    </dgm:style>
+  </dgm:styleLbl>
+  <dgm:styleLbl name="fgAcc2">
+    <dgm:scene3d>
+      <a:camera prst="orthographicFront"/>
+      <a:lightRig rig="threePt" dir="t"/>
+    </dgm:scene3d>
+    <dgm:sp3d/>
+    <dgm:txPr/>
+    <dgm:style>
+      <a:lnRef idx="2">
+        <a:scrgbClr r="0" g="0" b="0"/>
+      </a:lnRef>
+      <a:fillRef idx="1">
+        <a:scrgbClr r="0" g="0" b="0"/>
+      </a:fillRef>
+      <a:effectRef idx="0">
+        <a:scrgbClr r="0" g="0" b="0"/>
+      </a:effectRef>
+      <a:fontRef idx="minor"/>
+    </dgm:style>
+  </dgm:styleLbl>
+  <dgm:styleLbl name="fgAcc3">
+    <dgm:scene3d>
+      <a:camera prst="orthographicFront"/>
+      <a:lightRig rig="threePt" dir="t"/>
+    </dgm:scene3d>
+    <dgm:sp3d/>
+    <dgm:txPr/>
+    <dgm:style>
+      <a:lnRef idx="2">
+        <a:scrgbClr r="0" g="0" b="0"/>
+      </a:lnRef>
+      <a:fillRef idx="1">
+        <a:scrgbClr r="0" g="0" b="0"/>
+      </a:fillRef>
+      <a:effectRef idx="0">
+        <a:scrgbClr r="0" g="0" b="0"/>
+      </a:effectRef>
+      <a:fontRef idx="minor"/>
+    </dgm:style>
+  </dgm:styleLbl>
+  <dgm:styleLbl name="fgAcc4">
+    <dgm:scene3d>
+      <a:camera prst="orthographicFront"/>
+      <a:lightRig rig="threePt" dir="t"/>
+    </dgm:scene3d>
+    <dgm:sp3d/>
+    <dgm:txPr/>
+    <dgm:style>
+      <a:lnRef idx="2">
+        <a:scrgbClr r="0" g="0" b="0"/>
+      </a:lnRef>
+      <a:fillRef idx="1">
+        <a:scrgbClr r="0" g="0" b="0"/>
+      </a:fillRef>
+      <a:effectRef idx="0">
+        <a:scrgbClr r="0" g="0" b="0"/>
+      </a:effectRef>
+      <a:fontRef idx="minor"/>
+    </dgm:style>
+  </dgm:styleLbl>
+  <dgm:styleLbl name="bgShp">
+    <dgm:scene3d>
+      <a:camera prst="orthographicFront"/>
+      <a:lightRig rig="threePt" dir="t"/>
+    </dgm:scene3d>
+    <dgm:sp3d/>
+    <dgm:txPr/>
+    <dgm:style>
+      <a:lnRef idx="0">
+        <a:scrgbClr r="0" g="0" b="0"/>
+      </a:lnRef>
+      <a:fillRef idx="1">
+        <a:scrgbClr r="0" g="0" b="0"/>
+      </a:fillRef>
+      <a:effectRef idx="0">
+        <a:scrgbClr r="0" g="0" b="0"/>
+      </a:effectRef>
+      <a:fontRef idx="minor"/>
+    </dgm:style>
+  </dgm:styleLbl>
+  <dgm:styleLbl name="dkBgShp">
+    <dgm:scene3d>
+      <a:camera prst="orthographicFront"/>
+      <a:lightRig rig="threePt" dir="t"/>
+    </dgm:scene3d>
+    <dgm:sp3d/>
+    <dgm:txPr/>
+    <dgm:style>
+      <a:lnRef idx="0">
+        <a:scrgbClr r="0" g="0" b="0"/>
+      </a:lnRef>
+      <a:fillRef idx="1">
+        <a:scrgbClr r="0" g="0" b="0"/>
+      </a:fillRef>
+      <a:effectRef idx="0">
+        <a:scrgbClr r="0" g="0" b="0"/>
+      </a:effectRef>
+      <a:fontRef idx="minor"/>
+    </dgm:style>
+  </dgm:styleLbl>
+  <dgm:styleLbl name="trBgShp">
+    <dgm:scene3d>
+      <a:camera prst="orthographicFront"/>
+      <a:lightRig rig="threePt" dir="t"/>
+    </dgm:scene3d>
+    <dgm:sp3d/>
+    <dgm:txPr/>
+    <dgm:style>
+      <a:lnRef idx="0">
+        <a:scrgbClr r="0" g="0" b="0"/>
+      </a:lnRef>
+      <a:fillRef idx="1">
+        <a:scrgbClr r="0" g="0" b="0"/>
+      </a:fillRef>
+      <a:effectRef idx="0">
+        <a:scrgbClr r="0" g="0" b="0"/>
+      </a:effectRef>
+      <a:fontRef idx="minor"/>
+    </dgm:style>
+  </dgm:styleLbl>
+  <dgm:styleLbl name="fgShp">
+    <dgm:scene3d>
+      <a:camera prst="orthographicFront"/>
+      <a:lightRig rig="threePt" dir="t"/>
+    </dgm:scene3d>
+    <dgm:sp3d/>
+    <dgm:txPr/>
+    <dgm:style>
+      <a:lnRef idx="2">
+        <a:scrgbClr r="0" g="0" b="0"/>
+      </a:lnRef>
+      <a:fillRef idx="1">
+        <a:scrgbClr r="0" g="0" b="0"/>
+      </a:fillRef>
+      <a:effectRef idx="0">
+        <a:scrgbClr r="0" g="0" b="0"/>
+      </a:effectRef>
+      <a:fontRef idx="minor"/>
+    </dgm:style>
+  </dgm:styleLbl>
+  <dgm:styleLbl name="revTx">
+    <dgm:scene3d>
+      <a:camera prst="orthographicFront"/>
+      <a:lightRig rig="threePt" dir="t"/>
+    </dgm:scene3d>
+    <dgm:sp3d/>
+    <dgm:txPr/>
+    <dgm:style>
+      <a:lnRef idx="0">
+        <a:scrgbClr r="0" g="0" b="0"/>
+      </a:lnRef>
+      <a:fillRef idx="0">
+        <a:scrgbClr r="0" g="0" b="0"/>
+      </a:fillRef>
+      <a:effectRef idx="0">
+        <a:scrgbClr r="0" g="0" b="0"/>
+      </a:effectRef>
+      <a:fontRef idx="minor"/>
+    </dgm:style>
+  </dgm:styleLbl>
+</dgm:styleDef>
+</file>
+
+<file path=ppt/diagrams/quickStyle4.xml><?xml version="1.0" encoding="utf-8"?>
 <dgm:styleDef xmlns:dgm="http://schemas.openxmlformats.org/drawingml/2006/diagram" xmlns:a="http://schemas.openxmlformats.org/drawingml/2006/main" uniqueId="urn:microsoft.com/office/officeart/2005/8/quickstyle/simple1">
   <dgm:title val=""/>
   <dgm:desc val=""/>
@@ -9747,7 +12171,7 @@
             <a:fld id="{B61BEF0D-F0BB-DE4B-95CE-6DB70DBA9567}" type="datetimeFigureOut">
               <a:rPr lang="en-US" dirty="0"/>
               <a:pPr/>
-              <a:t>12/25/2023</a:t>
+              <a:t>12/30/2023</a:t>
             </a:fld>
             <a:endParaRPr lang="en-US" dirty="0"/>
           </a:p>
@@ -10082,7 +12506,7 @@
             <a:fld id="{B61BEF0D-F0BB-DE4B-95CE-6DB70DBA9567}" type="datetimeFigureOut">
               <a:rPr lang="en-US" dirty="0"/>
               <a:pPr/>
-              <a:t>12/25/2023</a:t>
+              <a:t>12/30/2023</a:t>
             </a:fld>
             <a:endParaRPr lang="en-US" dirty="0"/>
           </a:p>
@@ -10480,7 +12904,7 @@
             <a:fld id="{B61BEF0D-F0BB-DE4B-95CE-6DB70DBA9567}" type="datetimeFigureOut">
               <a:rPr lang="en-US" dirty="0"/>
               <a:pPr/>
-              <a:t>12/25/2023</a:t>
+              <a:t>12/30/2023</a:t>
             </a:fld>
             <a:endParaRPr lang="en-US" dirty="0"/>
           </a:p>
@@ -10813,7 +13237,7 @@
             <a:fld id="{B61BEF0D-F0BB-DE4B-95CE-6DB70DBA9567}" type="datetimeFigureOut">
               <a:rPr lang="en-US" dirty="0"/>
               <a:pPr/>
-              <a:t>12/25/2023</a:t>
+              <a:t>12/30/2023</a:t>
             </a:fld>
             <a:endParaRPr lang="en-US" dirty="0"/>
           </a:p>
@@ -11130,7 +13554,7 @@
             <a:fld id="{B61BEF0D-F0BB-DE4B-95CE-6DB70DBA9567}" type="datetimeFigureOut">
               <a:rPr lang="en-US" dirty="0"/>
               <a:pPr/>
-              <a:t>12/25/2023</a:t>
+              <a:t>12/30/2023</a:t>
             </a:fld>
             <a:endParaRPr lang="en-US" dirty="0"/>
           </a:p>
@@ -11523,7 +13947,7 @@
             <a:fld id="{B61BEF0D-F0BB-DE4B-95CE-6DB70DBA9567}" type="datetimeFigureOut">
               <a:rPr lang="en-US" dirty="0"/>
               <a:pPr/>
-              <a:t>12/25/2023</a:t>
+              <a:t>12/30/2023</a:t>
             </a:fld>
             <a:endParaRPr lang="en-US" dirty="0"/>
           </a:p>
@@ -11777,7 +14201,7 @@
             <a:fld id="{B61BEF0D-F0BB-DE4B-95CE-6DB70DBA9567}" type="datetimeFigureOut">
               <a:rPr lang="en-US" dirty="0"/>
               <a:pPr/>
-              <a:t>12/25/2023</a:t>
+              <a:t>12/30/2023</a:t>
             </a:fld>
             <a:endParaRPr lang="en-US" dirty="0"/>
           </a:p>
@@ -12036,7 +14460,7 @@
             <a:fld id="{B61BEF0D-F0BB-DE4B-95CE-6DB70DBA9567}" type="datetimeFigureOut">
               <a:rPr lang="en-US" dirty="0"/>
               <a:pPr/>
-              <a:t>12/25/2023</a:t>
+              <a:t>12/30/2023</a:t>
             </a:fld>
             <a:endParaRPr lang="en-US" dirty="0"/>
           </a:p>
@@ -12295,7 +14719,7 @@
             <a:fld id="{B61BEF0D-F0BB-DE4B-95CE-6DB70DBA9567}" type="datetimeFigureOut">
               <a:rPr lang="en-US" dirty="0"/>
               <a:pPr/>
-              <a:t>12/25/2023</a:t>
+              <a:t>12/30/2023</a:t>
             </a:fld>
             <a:endParaRPr lang="en-US" dirty="0"/>
           </a:p>
@@ -12621,7 +15045,7 @@
             <a:fld id="{B61BEF0D-F0BB-DE4B-95CE-6DB70DBA9567}" type="datetimeFigureOut">
               <a:rPr lang="en-US" dirty="0"/>
               <a:pPr/>
-              <a:t>12/25/2023</a:t>
+              <a:t>12/30/2023</a:t>
             </a:fld>
             <a:endParaRPr lang="en-US" dirty="0"/>
           </a:p>
@@ -12941,7 +15365,7 @@
             <a:fld id="{B61BEF0D-F0BB-DE4B-95CE-6DB70DBA9567}" type="datetimeFigureOut">
               <a:rPr lang="en-US" dirty="0"/>
               <a:pPr/>
-              <a:t>12/25/2023</a:t>
+              <a:t>12/30/2023</a:t>
             </a:fld>
             <a:endParaRPr lang="en-US" dirty="0"/>
           </a:p>
@@ -13395,7 +15819,7 @@
             <a:fld id="{B61BEF0D-F0BB-DE4B-95CE-6DB70DBA9567}" type="datetimeFigureOut">
               <a:rPr lang="en-US" dirty="0"/>
               <a:pPr/>
-              <a:t>12/25/2023</a:t>
+              <a:t>12/30/2023</a:t>
             </a:fld>
             <a:endParaRPr lang="en-US" dirty="0"/>
           </a:p>
@@ -13597,7 +16021,7 @@
             <a:fld id="{B61BEF0D-F0BB-DE4B-95CE-6DB70DBA9567}" type="datetimeFigureOut">
               <a:rPr lang="en-US" dirty="0"/>
               <a:pPr/>
-              <a:t>12/25/2023</a:t>
+              <a:t>12/30/2023</a:t>
             </a:fld>
             <a:endParaRPr lang="en-US" dirty="0"/>
           </a:p>
@@ -13771,7 +16195,7 @@
             <a:fld id="{B61BEF0D-F0BB-DE4B-95CE-6DB70DBA9567}" type="datetimeFigureOut">
               <a:rPr lang="en-US" dirty="0"/>
               <a:pPr/>
-              <a:t>12/25/2023</a:t>
+              <a:t>12/30/2023</a:t>
             </a:fld>
             <a:endParaRPr lang="en-US" dirty="0"/>
           </a:p>
@@ -14101,7 +16525,7 @@
             <a:fld id="{B61BEF0D-F0BB-DE4B-95CE-6DB70DBA9567}" type="datetimeFigureOut">
               <a:rPr lang="en-US" dirty="0"/>
               <a:pPr/>
-              <a:t>12/25/2023</a:t>
+              <a:t>12/30/2023</a:t>
             </a:fld>
             <a:endParaRPr lang="en-US" dirty="0"/>
           </a:p>
@@ -14443,7 +16867,7 @@
             <a:fld id="{B61BEF0D-F0BB-DE4B-95CE-6DB70DBA9567}" type="datetimeFigureOut">
               <a:rPr lang="en-US" dirty="0"/>
               <a:pPr/>
-              <a:t>12/25/2023</a:t>
+              <a:t>12/30/2023</a:t>
             </a:fld>
             <a:endParaRPr lang="en-US" dirty="0"/>
           </a:p>
@@ -16557,7 +18981,7 @@
             <a:fld id="{B61BEF0D-F0BB-DE4B-95CE-6DB70DBA9567}" type="datetimeFigureOut">
               <a:rPr lang="en-US" dirty="0"/>
               <a:pPr/>
-              <a:t>12/25/2023</a:t>
+              <a:t>12/30/2023</a:t>
             </a:fld>
             <a:endParaRPr lang="en-US" dirty="0"/>
           </a:p>
@@ -17144,6 +19568,23 @@
               <a:rPr lang="en-US" altLang="zh-TW" dirty="0"/>
               <a:t>(01157028)</a:t>
             </a:r>
+          </a:p>
+          <a:p>
+            <a:r>
+              <a:rPr lang="zh-TW" altLang="en-US" dirty="0"/>
+              <a:t>期末專案連結</a:t>
+            </a:r>
+            <a:r>
+              <a:rPr lang="en-US" altLang="zh-TW" dirty="0"/>
+              <a:t>: </a:t>
+            </a:r>
+            <a:r>
+              <a:rPr lang="en-US" altLang="zh-TW" sz="1600" dirty="0">
+                <a:hlinkClick r:id="rId2"/>
+              </a:rPr>
+              <a:t>https://james-92.github.io/Web_FinalProject/main_page/main_page</a:t>
+            </a:r>
+            <a:endParaRPr lang="en-US" altLang="zh-TW" sz="1600" dirty="0"/>
           </a:p>
         </p:txBody>
       </p:sp>
@@ -23875,7 +26316,7 @@
               </a:r>
               <a:r>
                 <a:rPr lang="zh-TW" altLang="en-US" sz="1600" kern="1200" dirty="0"/>
-                <a:t>素材褲很多種，但是需要付費的更多種，在成本有限的情況下找到適合的底圖來配合網頁主題讓我們苦惱很久</a:t>
+                <a:t>素材庫很多種，但是需要付費的更多種，在成本有限的情況下找到適合的底圖來配合網頁主題讓我們苦惱很久</a:t>
               </a:r>
               <a:endParaRPr lang="en-US" sz="1600" kern="1200" dirty="0"/>
             </a:p>
@@ -26903,6 +29344,177 @@
 </file>
 
 <file path=ppt/slides/slide16.xml><?xml version="1.0" encoding="utf-8"?>
+<p:sld xmlns:a="http://schemas.openxmlformats.org/drawingml/2006/main" xmlns:r="http://schemas.openxmlformats.org/officeDocument/2006/relationships" xmlns:p="http://schemas.openxmlformats.org/presentationml/2006/main">
+  <p:cSld>
+    <p:spTree>
+      <p:nvGrpSpPr>
+        <p:cNvPr id="1" name=""/>
+        <p:cNvGrpSpPr/>
+        <p:nvPr/>
+      </p:nvGrpSpPr>
+      <p:grpSpPr>
+        <a:xfrm>
+          <a:off x="0" y="0"/>
+          <a:ext cx="0" cy="0"/>
+          <a:chOff x="0" y="0"/>
+          <a:chExt cx="0" cy="0"/>
+        </a:xfrm>
+      </p:grpSpPr>
+      <p:sp>
+        <p:nvSpPr>
+          <p:cNvPr id="2" name="標題 1">
+            <a:extLst>
+              <a:ext uri="{FF2B5EF4-FFF2-40B4-BE49-F238E27FC236}">
+                <a16:creationId xmlns:a16="http://schemas.microsoft.com/office/drawing/2014/main" id="{14C3A887-3FB1-45F8-9D80-74B036085118}"/>
+              </a:ext>
+            </a:extLst>
+          </p:cNvPr>
+          <p:cNvSpPr>
+            <a:spLocks noGrp="1"/>
+          </p:cNvSpPr>
+          <p:nvPr>
+            <p:ph type="title"/>
+          </p:nvPr>
+        </p:nvSpPr>
+        <p:spPr/>
+        <p:txBody>
+          <a:bodyPr/>
+          <a:lstStyle/>
+          <a:p>
+            <a:r>
+              <a:rPr lang="zh-TW" altLang="en-US" dirty="0"/>
+              <a:t>我們遇到的問題與處理方式</a:t>
+            </a:r>
+          </a:p>
+        </p:txBody>
+      </p:sp>
+      <p:graphicFrame>
+        <p:nvGraphicFramePr>
+          <p:cNvPr id="7" name="內容版面配置區 2">
+            <a:extLst>
+              <a:ext uri="{FF2B5EF4-FFF2-40B4-BE49-F238E27FC236}">
+                <a16:creationId xmlns:a16="http://schemas.microsoft.com/office/drawing/2014/main" id="{FBC5F41A-5A48-4E1D-8466-D348B9A0AC41}"/>
+              </a:ext>
+            </a:extLst>
+          </p:cNvPr>
+          <p:cNvGraphicFramePr>
+            <a:graphicFrameLocks noGrp="1"/>
+          </p:cNvGraphicFramePr>
+          <p:nvPr>
+            <p:ph idx="1"/>
+            <p:extLst>
+              <p:ext uri="{D42A27DB-BD31-4B8C-83A1-F6EECF244321}">
+                <p14:modId xmlns:p14="http://schemas.microsoft.com/office/powerpoint/2010/main" val="3732973781"/>
+              </p:ext>
+            </p:extLst>
+          </p:nvPr>
+        </p:nvGraphicFramePr>
+        <p:xfrm>
+          <a:off x="2589213" y="2133600"/>
+          <a:ext cx="8915400" cy="3778250"/>
+        </p:xfrm>
+        <a:graphic>
+          <a:graphicData uri="http://schemas.openxmlformats.org/drawingml/2006/diagram">
+            <dgm:relIds xmlns:dgm="http://schemas.openxmlformats.org/drawingml/2006/diagram" xmlns:r="http://schemas.openxmlformats.org/officeDocument/2006/relationships" r:dm="rId2" r:lo="rId3" r:qs="rId4" r:cs="rId5"/>
+          </a:graphicData>
+        </a:graphic>
+      </p:graphicFrame>
+      <p:sp>
+        <p:nvSpPr>
+          <p:cNvPr id="8" name="文字方塊 7">
+            <a:extLst>
+              <a:ext uri="{FF2B5EF4-FFF2-40B4-BE49-F238E27FC236}">
+                <a16:creationId xmlns:a16="http://schemas.microsoft.com/office/drawing/2014/main" id="{A1826DEB-2498-4F76-BA4F-11ED0101A5EA}"/>
+              </a:ext>
+            </a:extLst>
+          </p:cNvPr>
+          <p:cNvSpPr txBox="1"/>
+          <p:nvPr/>
+        </p:nvSpPr>
+        <p:spPr>
+          <a:xfrm>
+            <a:off x="2862072" y="4672584"/>
+            <a:ext cx="2386584" cy="923330"/>
+          </a:xfrm>
+          <a:prstGeom prst="rect">
+            <a:avLst/>
+          </a:prstGeom>
+          <a:noFill/>
+        </p:spPr>
+        <p:txBody>
+          <a:bodyPr wrap="square" rtlCol="0">
+            <a:spAutoFit/>
+          </a:bodyPr>
+          <a:lstStyle/>
+          <a:p>
+            <a:r>
+              <a:rPr lang="en-US" altLang="zh-TW" dirty="0"/>
+              <a:t>json</a:t>
+            </a:r>
+            <a:r>
+              <a:rPr lang="zh-TW" altLang="en-US" dirty="0"/>
+              <a:t>檔案一開始內容有缺漏，直接存取變數時網站無法開啟</a:t>
+            </a:r>
+          </a:p>
+        </p:txBody>
+      </p:sp>
+      <p:sp>
+        <p:nvSpPr>
+          <p:cNvPr id="9" name="文字方塊 8">
+            <a:extLst>
+              <a:ext uri="{FF2B5EF4-FFF2-40B4-BE49-F238E27FC236}">
+                <a16:creationId xmlns:a16="http://schemas.microsoft.com/office/drawing/2014/main" id="{993E2FA7-C919-4453-9842-9C2A354A5741}"/>
+              </a:ext>
+            </a:extLst>
+          </p:cNvPr>
+          <p:cNvSpPr txBox="1"/>
+          <p:nvPr/>
+        </p:nvSpPr>
+        <p:spPr>
+          <a:xfrm>
+            <a:off x="7351776" y="4572000"/>
+            <a:ext cx="2386584" cy="1200329"/>
+          </a:xfrm>
+          <a:prstGeom prst="rect">
+            <a:avLst/>
+          </a:prstGeom>
+          <a:noFill/>
+        </p:spPr>
+        <p:txBody>
+          <a:bodyPr wrap="square" rtlCol="0">
+            <a:spAutoFit/>
+          </a:bodyPr>
+          <a:lstStyle/>
+          <a:p>
+            <a:r>
+              <a:rPr lang="zh-TW" altLang="en-US" dirty="0"/>
+              <a:t>我們將不必要的部分刪除並用其他的影片連結做出</a:t>
+            </a:r>
+            <a:r>
+              <a:rPr lang="en-US" altLang="zh-TW" dirty="0"/>
+              <a:t>demonstration</a:t>
+            </a:r>
+            <a:r>
+              <a:rPr lang="zh-TW" altLang="en-US" dirty="0"/>
+              <a:t>頁面</a:t>
+            </a:r>
+          </a:p>
+        </p:txBody>
+      </p:sp>
+    </p:spTree>
+    <p:extLst>
+      <p:ext uri="{BB962C8B-B14F-4D97-AF65-F5344CB8AC3E}">
+        <p14:creationId xmlns:p14="http://schemas.microsoft.com/office/powerpoint/2010/main" val="2426867123"/>
+      </p:ext>
+    </p:extLst>
+  </p:cSld>
+  <p:clrMapOvr>
+    <a:masterClrMapping/>
+  </p:clrMapOvr>
+</p:sld>
+</file>
+
+<file path=ppt/slides/slide17.xml><?xml version="1.0" encoding="utf-8"?>
 <p:sld xmlns:a="http://schemas.openxmlformats.org/drawingml/2006/main" xmlns:r="http://schemas.openxmlformats.org/officeDocument/2006/relationships" xmlns:p="http://schemas.openxmlformats.org/presentationml/2006/main">
   <p:cSld>
     <p:bg>
